--- a/6월/박성우_게임사전기획.pptx
+++ b/6월/박성우_게임사전기획.pptx
@@ -7,12 +7,16 @@
   <p:sldIdLst>
     <p:sldId id="256" r:id="rId2"/>
     <p:sldId id="257" r:id="rId3"/>
-    <p:sldId id="258" r:id="rId4"/>
-    <p:sldId id="259" r:id="rId5"/>
-    <p:sldId id="260" r:id="rId6"/>
-    <p:sldId id="261" r:id="rId7"/>
-    <p:sldId id="262" r:id="rId8"/>
-    <p:sldId id="263" r:id="rId9"/>
+    <p:sldId id="265" r:id="rId4"/>
+    <p:sldId id="258" r:id="rId5"/>
+    <p:sldId id="266" r:id="rId6"/>
+    <p:sldId id="259" r:id="rId7"/>
+    <p:sldId id="267" r:id="rId8"/>
+    <p:sldId id="264" r:id="rId9"/>
+    <p:sldId id="260" r:id="rId10"/>
+    <p:sldId id="261" r:id="rId11"/>
+    <p:sldId id="262" r:id="rId12"/>
+    <p:sldId id="263" r:id="rId13"/>
   </p:sldIdLst>
   <p:sldSz cx="12192000" cy="6858000"/>
   <p:notesSz cx="6858000" cy="9144000"/>
@@ -111,6 +115,11 @@
       </a:defRPr>
     </a:lvl9pPr>
   </p:defaultTextStyle>
+  <p:extLst>
+    <p:ext uri="{EFAFB233-063F-42B5-8137-9DF3F51BA10A}">
+      <p15:sldGuideLst xmlns:p15="http://schemas.microsoft.com/office/powerpoint/2012/main"/>
+    </p:ext>
+  </p:extLst>
 </p:presentation>
 </file>
 
@@ -268,7 +277,7 @@
           <a:p>
             <a:fld id="{3391A759-BFF8-4B5B-9ECE-D93AC303B331}" type="datetime1">
               <a:rPr lang="en-US" smtClean="0"/>
-              <a:t>6/13/2024</a:t>
+              <a:t>6/14/2024</a:t>
             </a:fld>
             <a:endParaRPr lang="en-US"/>
           </a:p>
@@ -522,7 +531,7 @@
           <a:p>
             <a:fld id="{6DFDF398-5DA3-4937-BE3F-7CA1B9158252}" type="datetime1">
               <a:rPr lang="en-US" smtClean="0"/>
-              <a:t>6/13/2024</a:t>
+              <a:t>6/14/2024</a:t>
             </a:fld>
             <a:endParaRPr lang="en-US"/>
           </a:p>
@@ -732,7 +741,7 @@
           <a:p>
             <a:fld id="{8F191ED9-F929-4A92-90F9-3C9C84ABBE83}" type="datetime1">
               <a:rPr lang="en-US" smtClean="0"/>
-              <a:t>6/13/2024</a:t>
+              <a:t>6/14/2024</a:t>
             </a:fld>
             <a:endParaRPr lang="en-US"/>
           </a:p>
@@ -987,7 +996,7 @@
           <a:p>
             <a:fld id="{EEBAB316-A2E6-49F2-825C-64AA951E4184}" type="datetime1">
               <a:rPr lang="en-US" smtClean="0"/>
-              <a:t>6/13/2024</a:t>
+              <a:t>6/14/2024</a:t>
             </a:fld>
             <a:endParaRPr lang="en-US"/>
           </a:p>
@@ -1265,7 +1274,7 @@
           <a:p>
             <a:fld id="{5AE9748B-ADD6-4C5A-8C2A-A39721276E74}" type="datetime1">
               <a:rPr lang="en-US" smtClean="0"/>
-              <a:t>6/13/2024</a:t>
+              <a:t>6/14/2024</a:t>
             </a:fld>
             <a:endParaRPr lang="en-US"/>
           </a:p>
@@ -1537,7 +1546,7 @@
           <a:p>
             <a:fld id="{7241FB0F-3C5C-4949-B933-9C7E511ED094}" type="datetime1">
               <a:rPr lang="en-US" smtClean="0"/>
-              <a:t>6/13/2024</a:t>
+              <a:t>6/14/2024</a:t>
             </a:fld>
             <a:endParaRPr lang="en-US"/>
           </a:p>
@@ -2025,7 +2034,7 @@
           <a:p>
             <a:fld id="{C2F01D58-E949-4BCB-829A-BBF80E38D59C}" type="datetime1">
               <a:rPr lang="en-US" smtClean="0"/>
-              <a:t>6/13/2024</a:t>
+              <a:t>6/14/2024</a:t>
             </a:fld>
             <a:endParaRPr lang="en-US"/>
           </a:p>
@@ -2167,7 +2176,7 @@
           <a:p>
             <a:fld id="{FF10A846-0DA4-4D92-9BF1-DE8C52C1F4DF}" type="datetime1">
               <a:rPr lang="en-US" smtClean="0"/>
-              <a:t>6/13/2024</a:t>
+              <a:t>6/14/2024</a:t>
             </a:fld>
             <a:endParaRPr lang="en-US"/>
           </a:p>
@@ -2280,7 +2289,7 @@
           <a:p>
             <a:fld id="{E9412331-4A9C-472F-A7FA-968157338839}" type="datetime1">
               <a:rPr lang="en-US" smtClean="0"/>
-              <a:t>6/13/2024</a:t>
+              <a:t>6/14/2024</a:t>
             </a:fld>
             <a:endParaRPr lang="en-US"/>
           </a:p>
@@ -2599,7 +2608,7 @@
           <a:p>
             <a:fld id="{A2197F3D-ED52-43FD-A26D-318B71534485}" type="datetime1">
               <a:rPr lang="en-US" smtClean="0"/>
-              <a:t>6/13/2024</a:t>
+              <a:t>6/14/2024</a:t>
             </a:fld>
             <a:endParaRPr lang="en-US"/>
           </a:p>
@@ -2896,7 +2905,7 @@
           <a:p>
             <a:fld id="{3D291FA4-6264-4BB8-B3B5-77711EED2D82}" type="datetime1">
               <a:rPr lang="en-US" smtClean="0"/>
-              <a:t>6/13/2024</a:t>
+              <a:t>6/14/2024</a:t>
             </a:fld>
             <a:endParaRPr lang="en-US"/>
           </a:p>
@@ -3133,7 +3142,7 @@
           <a:p>
             <a:fld id="{E7F6A1D9-D323-4F4E-8655-25E2D32CE742}" type="datetime1">
               <a:rPr lang="en-US" smtClean="0"/>
-              <a:t>6/13/2024</a:t>
+              <a:t>6/14/2024</a:t>
             </a:fld>
             <a:endParaRPr lang="en-US"/>
           </a:p>
@@ -3959,7 +3968,7 @@
         <p:spPr>
           <a:xfrm>
             <a:off x="517870" y="3957157"/>
-            <a:ext cx="5040785" cy="1724029"/>
+            <a:ext cx="5040785" cy="2215043"/>
           </a:xfrm>
         </p:spPr>
         <p:txBody>
@@ -3998,20 +4007,12 @@
               <a:buAutoNum type="arabicPeriod"/>
             </a:pPr>
             <a:r>
-              <a:rPr lang="ko-KR" altLang="en-US" dirty="0" err="1">
-                <a:solidFill>
-                  <a:srgbClr val="FFFFFF"/>
-                </a:solidFill>
-              </a:rPr>
-              <a:t>만들고픈</a:t>
-            </a:r>
-            <a:r>
               <a:rPr lang="ko-KR" altLang="en-US" dirty="0">
                 <a:solidFill>
                   <a:srgbClr val="FFFFFF"/>
                 </a:solidFill>
               </a:rPr>
-              <a:t> 장르와 </a:t>
+              <a:t>장르별 특징과 </a:t>
             </a:r>
             <a:r>
               <a:rPr lang="ko-KR" altLang="en-US" dirty="0" err="1">
@@ -4034,6 +4035,27 @@
                 <a:srgbClr val="FFFFFF"/>
               </a:solidFill>
             </a:endParaRPr>
+          </a:p>
+          <a:p>
+            <a:pPr marL="457200" indent="-457200">
+              <a:buAutoNum type="arabicPeriod"/>
+            </a:pPr>
+            <a:r>
+              <a:rPr lang="ko-KR" altLang="en-US" dirty="0">
+                <a:solidFill>
+                  <a:srgbClr val="FFFFFF"/>
+                </a:solidFill>
+              </a:rPr>
+              <a:t>그래서 무엇을 만들고 싶은가</a:t>
+            </a:r>
+            <a:r>
+              <a:rPr lang="en-US" altLang="ko-KR" dirty="0">
+                <a:solidFill>
+                  <a:srgbClr val="FFFFFF"/>
+                </a:solidFill>
+              </a:rPr>
+              <a:t>?</a:t>
+            </a:r>
           </a:p>
           <a:p>
             <a:pPr marL="457200" indent="-457200">
@@ -4169,6 +4191,870 @@
   </p:cSld>
   <p:clrMapOvr>
     <a:overrideClrMapping bg1="dk1" tx1="lt1" bg2="dk2" tx2="lt2" accent1="accent1" accent2="accent2" accent3="accent3" accent4="accent4" accent5="accent5" accent6="accent6" hlink="hlink" folHlink="folHlink"/>
+  </p:clrMapOvr>
+</p:sld>
+</file>
+
+<file path=ppt/slides/slide10.xml><?xml version="1.0" encoding="utf-8"?>
+<p:sld xmlns:a="http://schemas.openxmlformats.org/drawingml/2006/main" xmlns:r="http://schemas.openxmlformats.org/officeDocument/2006/relationships" xmlns:p="http://schemas.openxmlformats.org/presentationml/2006/main">
+  <p:cSld>
+    <p:spTree>
+      <p:nvGrpSpPr>
+        <p:cNvPr id="1" name=""/>
+        <p:cNvGrpSpPr/>
+        <p:nvPr/>
+      </p:nvGrpSpPr>
+      <p:grpSpPr>
+        <a:xfrm>
+          <a:off x="0" y="0"/>
+          <a:ext cx="0" cy="0"/>
+          <a:chOff x="0" y="0"/>
+          <a:chExt cx="0" cy="0"/>
+        </a:xfrm>
+      </p:grpSpPr>
+      <p:pic>
+        <p:nvPicPr>
+          <p:cNvPr id="7" name="그림 6">
+            <a:extLst>
+              <a:ext uri="{FF2B5EF4-FFF2-40B4-BE49-F238E27FC236}">
+                <a16:creationId xmlns:a16="http://schemas.microsoft.com/office/drawing/2014/main" id="{3F9B8EC3-2EC5-380D-4AEF-53319121C2EF}"/>
+              </a:ext>
+            </a:extLst>
+          </p:cNvPr>
+          <p:cNvPicPr>
+            <a:picLocks noChangeAspect="1"/>
+          </p:cNvPicPr>
+          <p:nvPr/>
+        </p:nvPicPr>
+        <p:blipFill>
+          <a:blip r:embed="rId2"/>
+          <a:stretch>
+            <a:fillRect/>
+          </a:stretch>
+        </p:blipFill>
+        <p:spPr>
+          <a:xfrm>
+            <a:off x="6684779" y="1104597"/>
+            <a:ext cx="4540940" cy="5392367"/>
+          </a:xfrm>
+          <a:prstGeom prst="rect">
+            <a:avLst/>
+          </a:prstGeom>
+        </p:spPr>
+      </p:pic>
+      <p:pic>
+        <p:nvPicPr>
+          <p:cNvPr id="8" name="내용 개체 틀 3">
+            <a:extLst>
+              <a:ext uri="{FF2B5EF4-FFF2-40B4-BE49-F238E27FC236}">
+                <a16:creationId xmlns:a16="http://schemas.microsoft.com/office/drawing/2014/main" id="{0159885B-D463-64E0-23D9-01A7933EDA30}"/>
+              </a:ext>
+            </a:extLst>
+          </p:cNvPr>
+          <p:cNvPicPr>
+            <a:picLocks noChangeAspect="1"/>
+          </p:cNvPicPr>
+          <p:nvPr/>
+        </p:nvPicPr>
+        <p:blipFill>
+          <a:blip r:embed="rId3"/>
+          <a:stretch>
+            <a:fillRect/>
+          </a:stretch>
+        </p:blipFill>
+        <p:spPr>
+          <a:xfrm>
+            <a:off x="1050588" y="952300"/>
+            <a:ext cx="4183107" cy="5577477"/>
+          </a:xfrm>
+          <a:prstGeom prst="rect">
+            <a:avLst/>
+          </a:prstGeom>
+        </p:spPr>
+      </p:pic>
+      <p:sp>
+        <p:nvSpPr>
+          <p:cNvPr id="4" name="내용 개체 틀 3">
+            <a:extLst>
+              <a:ext uri="{FF2B5EF4-FFF2-40B4-BE49-F238E27FC236}">
+                <a16:creationId xmlns:a16="http://schemas.microsoft.com/office/drawing/2014/main" id="{A99EAC2D-EDEE-2182-6983-CC4C2BF9E595}"/>
+              </a:ext>
+            </a:extLst>
+          </p:cNvPr>
+          <p:cNvSpPr>
+            <a:spLocks noGrp="1"/>
+          </p:cNvSpPr>
+          <p:nvPr>
+            <p:ph sz="half" idx="2"/>
+          </p:nvPr>
+        </p:nvSpPr>
+        <p:spPr>
+          <a:xfrm>
+            <a:off x="1413753" y="1463507"/>
+            <a:ext cx="9364494" cy="4555061"/>
+          </a:xfrm>
+          <a:solidFill>
+            <a:srgbClr val="FFFFFF">
+              <a:alpha val="63137"/>
+            </a:srgbClr>
+          </a:solidFill>
+        </p:spPr>
+        <p:txBody>
+          <a:bodyPr/>
+          <a:lstStyle/>
+          <a:p>
+            <a:pPr marL="342900" indent="-342900">
+              <a:buFontTx/>
+              <a:buChar char="-"/>
+            </a:pPr>
+            <a:r>
+              <a:rPr lang="en-US" altLang="ko-KR" sz="2400" dirty="0" err="1">
+                <a:latin typeface="Sandoll 삼립호빵체 TTF Basic" panose="00000500000000000000" pitchFamily="2" charset="-127"/>
+                <a:ea typeface="Sandoll 삼립호빵체 TTF Basic" panose="00000500000000000000" pitchFamily="2" charset="-127"/>
+              </a:rPr>
+              <a:t>Isomatric</a:t>
+            </a:r>
+            <a:r>
+              <a:rPr lang="en-US" altLang="ko-KR" sz="2400" dirty="0">
+                <a:latin typeface="Sandoll 삼립호빵체 TTF Basic" panose="00000500000000000000" pitchFamily="2" charset="-127"/>
+                <a:ea typeface="Sandoll 삼립호빵체 TTF Basic" panose="00000500000000000000" pitchFamily="2" charset="-127"/>
+              </a:rPr>
+              <a:t> </a:t>
+            </a:r>
+            <a:r>
+              <a:rPr lang="ko-KR" altLang="en-US" sz="2400" dirty="0">
+                <a:latin typeface="Sandoll 삼립호빵체 TTF Basic" panose="00000500000000000000" pitchFamily="2" charset="-127"/>
+                <a:ea typeface="Sandoll 삼립호빵체 TTF Basic" panose="00000500000000000000" pitchFamily="2" charset="-127"/>
+              </a:rPr>
+              <a:t>착시를 이용한 퍼즐게임</a:t>
+            </a:r>
+            <a:endParaRPr lang="en-US" altLang="ko-KR" sz="2400" dirty="0">
+              <a:latin typeface="Sandoll 삼립호빵체 TTF Basic" panose="00000500000000000000" pitchFamily="2" charset="-127"/>
+              <a:ea typeface="Sandoll 삼립호빵체 TTF Basic" panose="00000500000000000000" pitchFamily="2" charset="-127"/>
+            </a:endParaRPr>
+          </a:p>
+          <a:p>
+            <a:pPr marL="342900" indent="-342900">
+              <a:buFontTx/>
+              <a:buChar char="-"/>
+            </a:pPr>
+            <a:r>
+              <a:rPr lang="ko-KR" altLang="en-US" sz="2400" dirty="0">
+                <a:latin typeface="Sandoll 삼립호빵체 TTF Basic" panose="00000500000000000000" pitchFamily="2" charset="-127"/>
+                <a:ea typeface="Sandoll 삼립호빵체 TTF Basic" panose="00000500000000000000" pitchFamily="2" charset="-127"/>
+              </a:rPr>
+              <a:t>포인트 앤 클릭 조작</a:t>
+            </a:r>
+            <a:endParaRPr lang="en-US" altLang="ko-KR" sz="2400" dirty="0">
+              <a:latin typeface="Sandoll 삼립호빵체 TTF Basic" panose="00000500000000000000" pitchFamily="2" charset="-127"/>
+              <a:ea typeface="Sandoll 삼립호빵체 TTF Basic" panose="00000500000000000000" pitchFamily="2" charset="-127"/>
+            </a:endParaRPr>
+          </a:p>
+          <a:p>
+            <a:pPr marL="342900" indent="-342900">
+              <a:buFontTx/>
+              <a:buChar char="-"/>
+            </a:pPr>
+            <a:r>
+              <a:rPr lang="ko-KR" altLang="en-US" sz="2400" dirty="0">
+                <a:latin typeface="Sandoll 삼립호빵체 TTF Basic" panose="00000500000000000000" pitchFamily="2" charset="-127"/>
+                <a:ea typeface="Sandoll 삼립호빵체 TTF Basic" panose="00000500000000000000" pitchFamily="2" charset="-127"/>
+              </a:rPr>
+              <a:t>플레이어의 터치로</a:t>
+            </a:r>
+            <a:r>
+              <a:rPr lang="en-US" altLang="ko-KR" sz="2400" dirty="0">
+                <a:latin typeface="Sandoll 삼립호빵체 TTF Basic" panose="00000500000000000000" pitchFamily="2" charset="-127"/>
+                <a:ea typeface="Sandoll 삼립호빵체 TTF Basic" panose="00000500000000000000" pitchFamily="2" charset="-127"/>
+              </a:rPr>
+              <a:t>, </a:t>
+            </a:r>
+            <a:r>
+              <a:rPr lang="ko-KR" altLang="en-US" sz="2400" dirty="0">
+                <a:latin typeface="Sandoll 삼립호빵체 TTF Basic" panose="00000500000000000000" pitchFamily="2" charset="-127"/>
+                <a:ea typeface="Sandoll 삼립호빵체 TTF Basic" panose="00000500000000000000" pitchFamily="2" charset="-127"/>
+              </a:rPr>
+              <a:t>스테이지 내 요소의 이동과 회전 등</a:t>
+            </a:r>
+            <a:r>
+              <a:rPr lang="en-US" altLang="ko-KR" sz="2400" dirty="0">
+                <a:latin typeface="Sandoll 삼립호빵체 TTF Basic" panose="00000500000000000000" pitchFamily="2" charset="-127"/>
+                <a:ea typeface="Sandoll 삼립호빵체 TTF Basic" panose="00000500000000000000" pitchFamily="2" charset="-127"/>
+              </a:rPr>
+              <a:t>, </a:t>
+            </a:r>
+            <a:r>
+              <a:rPr lang="ko-KR" altLang="en-US" sz="2400" dirty="0">
+                <a:latin typeface="Sandoll 삼립호빵체 TTF Basic" panose="00000500000000000000" pitchFamily="2" charset="-127"/>
+                <a:ea typeface="Sandoll 삼립호빵체 TTF Basic" panose="00000500000000000000" pitchFamily="2" charset="-127"/>
+              </a:rPr>
+              <a:t>변화가 나타남</a:t>
+            </a:r>
+            <a:endParaRPr lang="en-US" altLang="ko-KR" sz="2400" dirty="0">
+              <a:latin typeface="Sandoll 삼립호빵체 TTF Basic" panose="00000500000000000000" pitchFamily="2" charset="-127"/>
+              <a:ea typeface="Sandoll 삼립호빵체 TTF Basic" panose="00000500000000000000" pitchFamily="2" charset="-127"/>
+            </a:endParaRPr>
+          </a:p>
+          <a:p>
+            <a:pPr marL="342900" indent="-342900">
+              <a:buFontTx/>
+              <a:buChar char="-"/>
+            </a:pPr>
+            <a:r>
+              <a:rPr lang="ko-KR" altLang="en-US" sz="2400" dirty="0">
+                <a:latin typeface="Sandoll 삼립호빵체 TTF Basic" panose="00000500000000000000" pitchFamily="2" charset="-127"/>
+                <a:ea typeface="Sandoll 삼립호빵체 TTF Basic" panose="00000500000000000000" pitchFamily="2" charset="-127"/>
+              </a:rPr>
+              <a:t>주인공은 이  변화를 이용하여 골에 도달해야 함</a:t>
+            </a:r>
+            <a:r>
+              <a:rPr lang="en-US" altLang="ko-KR" sz="2400" dirty="0">
+                <a:latin typeface="Sandoll 삼립호빵체 TTF Basic" panose="00000500000000000000" pitchFamily="2" charset="-127"/>
+                <a:ea typeface="Sandoll 삼립호빵체 TTF Basic" panose="00000500000000000000" pitchFamily="2" charset="-127"/>
+              </a:rPr>
+              <a:t>.</a:t>
+            </a:r>
+          </a:p>
+          <a:p>
+            <a:pPr marL="342900" indent="-342900">
+              <a:buFontTx/>
+              <a:buChar char="-"/>
+            </a:pPr>
+            <a:endParaRPr lang="en-US" altLang="ko-KR" sz="2400" dirty="0">
+              <a:latin typeface="Sandoll 삼립호빵체 TTF Basic" panose="00000500000000000000" pitchFamily="2" charset="-127"/>
+              <a:ea typeface="Sandoll 삼립호빵체 TTF Basic" panose="00000500000000000000" pitchFamily="2" charset="-127"/>
+            </a:endParaRPr>
+          </a:p>
+          <a:p>
+            <a:pPr marL="342900" indent="-342900">
+              <a:buFontTx/>
+              <a:buChar char="-"/>
+            </a:pPr>
+            <a:r>
+              <a:rPr lang="ko-KR" altLang="en-US" sz="2400" dirty="0">
+                <a:latin typeface="Sandoll 삼립호빵체 TTF Basic" panose="00000500000000000000" pitchFamily="2" charset="-127"/>
+                <a:ea typeface="Sandoll 삼립호빵체 TTF Basic" panose="00000500000000000000" pitchFamily="2" charset="-127"/>
+              </a:rPr>
+              <a:t>단점</a:t>
+            </a:r>
+            <a:endParaRPr lang="en-US" altLang="ko-KR" sz="2400" dirty="0">
+              <a:latin typeface="Sandoll 삼립호빵체 TTF Basic" panose="00000500000000000000" pitchFamily="2" charset="-127"/>
+              <a:ea typeface="Sandoll 삼립호빵체 TTF Basic" panose="00000500000000000000" pitchFamily="2" charset="-127"/>
+            </a:endParaRPr>
+          </a:p>
+          <a:p>
+            <a:pPr marL="342900" indent="-342900">
+              <a:buFontTx/>
+              <a:buChar char="-"/>
+            </a:pPr>
+            <a:r>
+              <a:rPr lang="ko-KR" altLang="en-US" sz="2400" dirty="0">
+                <a:latin typeface="Sandoll 삼립호빵체 TTF Basic" panose="00000500000000000000" pitchFamily="2" charset="-127"/>
+                <a:ea typeface="Sandoll 삼립호빵체 TTF Basic" panose="00000500000000000000" pitchFamily="2" charset="-127"/>
+              </a:rPr>
+              <a:t>플레이어의 자유도가 높지 않음</a:t>
+            </a:r>
+            <a:r>
+              <a:rPr lang="en-US" altLang="ko-KR" sz="2400" dirty="0">
+                <a:latin typeface="Sandoll 삼립호빵체 TTF Basic" panose="00000500000000000000" pitchFamily="2" charset="-127"/>
+                <a:ea typeface="Sandoll 삼립호빵체 TTF Basic" panose="00000500000000000000" pitchFamily="2" charset="-127"/>
+              </a:rPr>
+              <a:t>.</a:t>
+            </a:r>
+            <a:endParaRPr lang="ko-KR" altLang="en-US" sz="2400" dirty="0">
+              <a:latin typeface="Sandoll 삼립호빵체 TTF Basic" panose="00000500000000000000" pitchFamily="2" charset="-127"/>
+              <a:ea typeface="Sandoll 삼립호빵체 TTF Basic" panose="00000500000000000000" pitchFamily="2" charset="-127"/>
+            </a:endParaRPr>
+          </a:p>
+        </p:txBody>
+      </p:sp>
+    </p:spTree>
+    <p:extLst>
+      <p:ext uri="{BB962C8B-B14F-4D97-AF65-F5344CB8AC3E}">
+        <p14:creationId xmlns:p14="http://schemas.microsoft.com/office/powerpoint/2010/main" val="4260821825"/>
+      </p:ext>
+    </p:extLst>
+  </p:cSld>
+  <p:clrMapOvr>
+    <a:masterClrMapping/>
+  </p:clrMapOvr>
+</p:sld>
+</file>
+
+<file path=ppt/slides/slide11.xml><?xml version="1.0" encoding="utf-8"?>
+<p:sld xmlns:a="http://schemas.openxmlformats.org/drawingml/2006/main" xmlns:r="http://schemas.openxmlformats.org/officeDocument/2006/relationships" xmlns:p="http://schemas.openxmlformats.org/presentationml/2006/main">
+  <p:cSld>
+    <p:spTree>
+      <p:nvGrpSpPr>
+        <p:cNvPr id="1" name=""/>
+        <p:cNvGrpSpPr/>
+        <p:nvPr/>
+      </p:nvGrpSpPr>
+      <p:grpSpPr>
+        <a:xfrm>
+          <a:off x="0" y="0"/>
+          <a:ext cx="0" cy="0"/>
+          <a:chOff x="0" y="0"/>
+          <a:chExt cx="0" cy="0"/>
+        </a:xfrm>
+      </p:grpSpPr>
+      <p:sp>
+        <p:nvSpPr>
+          <p:cNvPr id="2" name="제목 1">
+            <a:extLst>
+              <a:ext uri="{FF2B5EF4-FFF2-40B4-BE49-F238E27FC236}">
+                <a16:creationId xmlns:a16="http://schemas.microsoft.com/office/drawing/2014/main" id="{A6DB8075-D1FB-22C1-C191-2DA524033404}"/>
+              </a:ext>
+            </a:extLst>
+          </p:cNvPr>
+          <p:cNvSpPr>
+            <a:spLocks noGrp="1"/>
+          </p:cNvSpPr>
+          <p:nvPr>
+            <p:ph type="title"/>
+          </p:nvPr>
+        </p:nvSpPr>
+        <p:spPr/>
+        <p:txBody>
+          <a:bodyPr/>
+          <a:lstStyle/>
+          <a:p>
+            <a:r>
+              <a:rPr lang="ko-KR" altLang="en-US" dirty="0"/>
+              <a:t>동일장르 </a:t>
+            </a:r>
+            <a:br>
+              <a:rPr lang="en-US" altLang="ko-KR" dirty="0"/>
+            </a:br>
+            <a:r>
+              <a:rPr lang="ko-KR" altLang="en-US" dirty="0"/>
+              <a:t>게임 비교</a:t>
+            </a:r>
+            <a:br>
+              <a:rPr lang="en-US" altLang="ko-KR" dirty="0"/>
+            </a:br>
+            <a:r>
+              <a:rPr lang="en-US" altLang="ko-KR" sz="3600" dirty="0"/>
+              <a:t>2. hocus.</a:t>
+            </a:r>
+            <a:endParaRPr lang="ko-KR" altLang="en-US" dirty="0"/>
+          </a:p>
+        </p:txBody>
+      </p:sp>
+      <p:pic>
+        <p:nvPicPr>
+          <p:cNvPr id="8" name="내용 개체 틀 7" descr="스크린샷, 스케치, 디자인이(가) 표시된 사진&#10;&#10;자동 생성된 설명">
+            <a:extLst>
+              <a:ext uri="{FF2B5EF4-FFF2-40B4-BE49-F238E27FC236}">
+                <a16:creationId xmlns:a16="http://schemas.microsoft.com/office/drawing/2014/main" id="{9008EC1B-6446-5B61-3070-75569963F2A7}"/>
+              </a:ext>
+            </a:extLst>
+          </p:cNvPr>
+          <p:cNvPicPr>
+            <a:picLocks noGrp="1" noChangeAspect="1"/>
+          </p:cNvPicPr>
+          <p:nvPr>
+            <p:ph idx="1"/>
+          </p:nvPr>
+        </p:nvPicPr>
+        <p:blipFill>
+          <a:blip r:embed="rId2">
+            <a:extLst>
+              <a:ext uri="{28A0092B-C50C-407E-A947-70E740481C1C}">
+                <a14:useLocalDpi xmlns:a14="http://schemas.microsoft.com/office/drawing/2010/main" val="0"/>
+              </a:ext>
+            </a:extLst>
+          </a:blip>
+          <a:stretch>
+            <a:fillRect/>
+          </a:stretch>
+        </p:blipFill>
+        <p:spPr>
+          <a:xfrm>
+            <a:off x="5602403" y="194553"/>
+            <a:ext cx="2270540" cy="4870450"/>
+          </a:xfrm>
+        </p:spPr>
+      </p:pic>
+      <p:pic>
+        <p:nvPicPr>
+          <p:cNvPr id="10" name="그림 9" descr="스크린샷, 디자인이(가) 표시된 사진&#10;&#10;자동 생성된 설명">
+            <a:extLst>
+              <a:ext uri="{FF2B5EF4-FFF2-40B4-BE49-F238E27FC236}">
+                <a16:creationId xmlns:a16="http://schemas.microsoft.com/office/drawing/2014/main" id="{681E0E81-B07A-376A-B082-041C107B94A0}"/>
+              </a:ext>
+            </a:extLst>
+          </p:cNvPr>
+          <p:cNvPicPr>
+            <a:picLocks noChangeAspect="1"/>
+          </p:cNvPicPr>
+          <p:nvPr/>
+        </p:nvPicPr>
+        <p:blipFill>
+          <a:blip r:embed="rId3">
+            <a:extLst>
+              <a:ext uri="{28A0092B-C50C-407E-A947-70E740481C1C}">
+                <a14:useLocalDpi xmlns:a14="http://schemas.microsoft.com/office/drawing/2010/main" val="0"/>
+              </a:ext>
+            </a:extLst>
+          </a:blip>
+          <a:stretch>
+            <a:fillRect/>
+          </a:stretch>
+        </p:blipFill>
+        <p:spPr>
+          <a:xfrm>
+            <a:off x="7341234" y="978408"/>
+            <a:ext cx="2572600" cy="5518386"/>
+          </a:xfrm>
+          <a:prstGeom prst="rect">
+            <a:avLst/>
+          </a:prstGeom>
+        </p:spPr>
+      </p:pic>
+      <p:pic>
+        <p:nvPicPr>
+          <p:cNvPr id="12" name="그림 11" descr="스케치, 그림, 도표, 예술이(가) 표시된 사진&#10;&#10;자동 생성된 설명">
+            <a:extLst>
+              <a:ext uri="{FF2B5EF4-FFF2-40B4-BE49-F238E27FC236}">
+                <a16:creationId xmlns:a16="http://schemas.microsoft.com/office/drawing/2014/main" id="{9A1DA93B-3498-69DD-8DE3-A43A183F6BE4}"/>
+              </a:ext>
+            </a:extLst>
+          </p:cNvPr>
+          <p:cNvPicPr>
+            <a:picLocks noChangeAspect="1"/>
+          </p:cNvPicPr>
+          <p:nvPr/>
+        </p:nvPicPr>
+        <p:blipFill>
+          <a:blip r:embed="rId4">
+            <a:extLst>
+              <a:ext uri="{28A0092B-C50C-407E-A947-70E740481C1C}">
+                <a14:useLocalDpi xmlns:a14="http://schemas.microsoft.com/office/drawing/2010/main" val="0"/>
+              </a:ext>
+            </a:extLst>
+          </a:blip>
+          <a:stretch>
+            <a:fillRect/>
+          </a:stretch>
+        </p:blipFill>
+        <p:spPr>
+          <a:xfrm>
+            <a:off x="9451389" y="480741"/>
+            <a:ext cx="2516875" cy="5398851"/>
+          </a:xfrm>
+          <a:prstGeom prst="rect">
+            <a:avLst/>
+          </a:prstGeom>
+        </p:spPr>
+      </p:pic>
+    </p:spTree>
+    <p:extLst>
+      <p:ext uri="{BB962C8B-B14F-4D97-AF65-F5344CB8AC3E}">
+        <p14:creationId xmlns:p14="http://schemas.microsoft.com/office/powerpoint/2010/main" val="720631840"/>
+      </p:ext>
+    </p:extLst>
+  </p:cSld>
+  <p:clrMapOvr>
+    <a:masterClrMapping/>
+  </p:clrMapOvr>
+</p:sld>
+</file>
+
+<file path=ppt/slides/slide12.xml><?xml version="1.0" encoding="utf-8"?>
+<p:sld xmlns:a="http://schemas.openxmlformats.org/drawingml/2006/main" xmlns:r="http://schemas.openxmlformats.org/officeDocument/2006/relationships" xmlns:p="http://schemas.openxmlformats.org/presentationml/2006/main">
+  <p:cSld>
+    <p:spTree>
+      <p:nvGrpSpPr>
+        <p:cNvPr id="1" name=""/>
+        <p:cNvGrpSpPr/>
+        <p:nvPr/>
+      </p:nvGrpSpPr>
+      <p:grpSpPr>
+        <a:xfrm>
+          <a:off x="0" y="0"/>
+          <a:ext cx="0" cy="0"/>
+          <a:chOff x="0" y="0"/>
+          <a:chExt cx="0" cy="0"/>
+        </a:xfrm>
+      </p:grpSpPr>
+      <p:pic>
+        <p:nvPicPr>
+          <p:cNvPr id="2" name="내용 개체 틀 7" descr="스크린샷, 스케치, 디자인이(가) 표시된 사진&#10;&#10;자동 생성된 설명">
+            <a:extLst>
+              <a:ext uri="{FF2B5EF4-FFF2-40B4-BE49-F238E27FC236}">
+                <a16:creationId xmlns:a16="http://schemas.microsoft.com/office/drawing/2014/main" id="{B8744C9E-2E8A-7081-904A-247E59EB0C64}"/>
+              </a:ext>
+            </a:extLst>
+          </p:cNvPr>
+          <p:cNvPicPr>
+            <a:picLocks noChangeAspect="1"/>
+          </p:cNvPicPr>
+          <p:nvPr/>
+        </p:nvPicPr>
+        <p:blipFill>
+          <a:blip r:embed="rId2">
+            <a:extLst>
+              <a:ext uri="{28A0092B-C50C-407E-A947-70E740481C1C}">
+                <a14:useLocalDpi xmlns:a14="http://schemas.microsoft.com/office/drawing/2010/main" val="0"/>
+              </a:ext>
+            </a:extLst>
+          </a:blip>
+          <a:stretch>
+            <a:fillRect/>
+          </a:stretch>
+        </p:blipFill>
+        <p:spPr>
+          <a:xfrm>
+            <a:off x="993137" y="1339614"/>
+            <a:ext cx="2270540" cy="4870450"/>
+          </a:xfrm>
+          <a:prstGeom prst="rect">
+            <a:avLst/>
+          </a:prstGeom>
+        </p:spPr>
+      </p:pic>
+      <p:pic>
+        <p:nvPicPr>
+          <p:cNvPr id="3" name="그림 2" descr="스크린샷, 디자인이(가) 표시된 사진&#10;&#10;자동 생성된 설명">
+            <a:extLst>
+              <a:ext uri="{FF2B5EF4-FFF2-40B4-BE49-F238E27FC236}">
+                <a16:creationId xmlns:a16="http://schemas.microsoft.com/office/drawing/2014/main" id="{89D7B5A1-68BC-244C-C278-B4490EBD743E}"/>
+              </a:ext>
+            </a:extLst>
+          </p:cNvPr>
+          <p:cNvPicPr>
+            <a:picLocks noChangeAspect="1"/>
+          </p:cNvPicPr>
+          <p:nvPr/>
+        </p:nvPicPr>
+        <p:blipFill>
+          <a:blip r:embed="rId3">
+            <a:extLst>
+              <a:ext uri="{28A0092B-C50C-407E-A947-70E740481C1C}">
+                <a14:useLocalDpi xmlns:a14="http://schemas.microsoft.com/office/drawing/2010/main" val="0"/>
+              </a:ext>
+            </a:extLst>
+          </a:blip>
+          <a:stretch>
+            <a:fillRect/>
+          </a:stretch>
+        </p:blipFill>
+        <p:spPr>
+          <a:xfrm>
+            <a:off x="4839352" y="1339614"/>
+            <a:ext cx="2270540" cy="4870450"/>
+          </a:xfrm>
+          <a:prstGeom prst="rect">
+            <a:avLst/>
+          </a:prstGeom>
+        </p:spPr>
+      </p:pic>
+      <p:pic>
+        <p:nvPicPr>
+          <p:cNvPr id="5" name="그림 4" descr="스케치, 그림, 도표, 예술이(가) 표시된 사진&#10;&#10;자동 생성된 설명">
+            <a:extLst>
+              <a:ext uri="{FF2B5EF4-FFF2-40B4-BE49-F238E27FC236}">
+                <a16:creationId xmlns:a16="http://schemas.microsoft.com/office/drawing/2014/main" id="{4CAE2BFA-E478-B6E9-3754-35A273A8A5F2}"/>
+              </a:ext>
+            </a:extLst>
+          </p:cNvPr>
+          <p:cNvPicPr>
+            <a:picLocks noChangeAspect="1"/>
+          </p:cNvPicPr>
+          <p:nvPr/>
+        </p:nvPicPr>
+        <p:blipFill>
+          <a:blip r:embed="rId4">
+            <a:extLst>
+              <a:ext uri="{28A0092B-C50C-407E-A947-70E740481C1C}">
+                <a14:useLocalDpi xmlns:a14="http://schemas.microsoft.com/office/drawing/2010/main" val="0"/>
+              </a:ext>
+            </a:extLst>
+          </a:blip>
+          <a:stretch>
+            <a:fillRect/>
+          </a:stretch>
+        </p:blipFill>
+        <p:spPr>
+          <a:xfrm>
+            <a:off x="8685568" y="1339614"/>
+            <a:ext cx="2270541" cy="4870450"/>
+          </a:xfrm>
+          <a:prstGeom prst="rect">
+            <a:avLst/>
+          </a:prstGeom>
+        </p:spPr>
+      </p:pic>
+      <p:sp>
+        <p:nvSpPr>
+          <p:cNvPr id="4" name="내용 개체 틀 3">
+            <a:extLst>
+              <a:ext uri="{FF2B5EF4-FFF2-40B4-BE49-F238E27FC236}">
+                <a16:creationId xmlns:a16="http://schemas.microsoft.com/office/drawing/2014/main" id="{A99EAC2D-EDEE-2182-6983-CC4C2BF9E595}"/>
+              </a:ext>
+            </a:extLst>
+          </p:cNvPr>
+          <p:cNvSpPr>
+            <a:spLocks noGrp="1"/>
+          </p:cNvSpPr>
+          <p:nvPr>
+            <p:ph sz="half" idx="2"/>
+          </p:nvPr>
+        </p:nvSpPr>
+        <p:spPr>
+          <a:xfrm>
+            <a:off x="1413753" y="822190"/>
+            <a:ext cx="9364494" cy="5635759"/>
+          </a:xfrm>
+          <a:solidFill>
+            <a:srgbClr val="FFFFFF">
+              <a:alpha val="65882"/>
+            </a:srgbClr>
+          </a:solidFill>
+        </p:spPr>
+        <p:txBody>
+          <a:bodyPr/>
+          <a:lstStyle/>
+          <a:p>
+            <a:pPr marL="342900" indent="-342900">
+              <a:buFontTx/>
+              <a:buChar char="-"/>
+            </a:pPr>
+            <a:r>
+              <a:rPr lang="en-US" altLang="ko-KR" sz="2400" dirty="0" err="1">
+                <a:latin typeface="Sandoll 삼립호빵체 TTF Basic" panose="00000500000000000000" pitchFamily="2" charset="-127"/>
+                <a:ea typeface="Sandoll 삼립호빵체 TTF Basic" panose="00000500000000000000" pitchFamily="2" charset="-127"/>
+              </a:rPr>
+              <a:t>Isomatric</a:t>
+            </a:r>
+            <a:r>
+              <a:rPr lang="en-US" altLang="ko-KR" sz="2400" dirty="0">
+                <a:latin typeface="Sandoll 삼립호빵체 TTF Basic" panose="00000500000000000000" pitchFamily="2" charset="-127"/>
+                <a:ea typeface="Sandoll 삼립호빵체 TTF Basic" panose="00000500000000000000" pitchFamily="2" charset="-127"/>
+              </a:rPr>
+              <a:t> </a:t>
+            </a:r>
+            <a:r>
+              <a:rPr lang="ko-KR" altLang="en-US" sz="2400" dirty="0">
+                <a:latin typeface="Sandoll 삼립호빵체 TTF Basic" panose="00000500000000000000" pitchFamily="2" charset="-127"/>
+                <a:ea typeface="Sandoll 삼립호빵체 TTF Basic" panose="00000500000000000000" pitchFamily="2" charset="-127"/>
+              </a:rPr>
+              <a:t>착시를 이용한 퍼즐게임</a:t>
+            </a:r>
+            <a:endParaRPr lang="en-US" altLang="ko-KR" sz="2400" dirty="0">
+              <a:latin typeface="Sandoll 삼립호빵체 TTF Basic" panose="00000500000000000000" pitchFamily="2" charset="-127"/>
+              <a:ea typeface="Sandoll 삼립호빵체 TTF Basic" panose="00000500000000000000" pitchFamily="2" charset="-127"/>
+            </a:endParaRPr>
+          </a:p>
+          <a:p>
+            <a:pPr marL="342900" indent="-342900">
+              <a:buFontTx/>
+              <a:buChar char="-"/>
+            </a:pPr>
+            <a:r>
+              <a:rPr lang="ko-KR" altLang="en-US" sz="2400" dirty="0">
+                <a:latin typeface="Sandoll 삼립호빵체 TTF Basic" panose="00000500000000000000" pitchFamily="2" charset="-127"/>
+                <a:ea typeface="Sandoll 삼립호빵체 TTF Basic" panose="00000500000000000000" pitchFamily="2" charset="-127"/>
+              </a:rPr>
+              <a:t>포인트 앤 클릭 조작</a:t>
+            </a:r>
+            <a:endParaRPr lang="en-US" altLang="ko-KR" sz="2400" dirty="0">
+              <a:latin typeface="Sandoll 삼립호빵체 TTF Basic" panose="00000500000000000000" pitchFamily="2" charset="-127"/>
+              <a:ea typeface="Sandoll 삼립호빵체 TTF Basic" panose="00000500000000000000" pitchFamily="2" charset="-127"/>
+            </a:endParaRPr>
+          </a:p>
+          <a:p>
+            <a:pPr marL="342900" indent="-342900">
+              <a:buFontTx/>
+              <a:buChar char="-"/>
+            </a:pPr>
+            <a:r>
+              <a:rPr lang="ko-KR" altLang="en-US" sz="2400" dirty="0">
+                <a:latin typeface="Sandoll 삼립호빵체 TTF Basic" panose="00000500000000000000" pitchFamily="2" charset="-127"/>
+                <a:ea typeface="Sandoll 삼립호빵체 TTF Basic" panose="00000500000000000000" pitchFamily="2" charset="-127"/>
+              </a:rPr>
+              <a:t>큐브는 자신과 </a:t>
+            </a:r>
+            <a:r>
+              <a:rPr lang="ko-KR" altLang="en-US" sz="2400" dirty="0" err="1">
+                <a:latin typeface="Sandoll 삼립호빵체 TTF Basic" panose="00000500000000000000" pitchFamily="2" charset="-127"/>
+                <a:ea typeface="Sandoll 삼립호빵체 TTF Basic" panose="00000500000000000000" pitchFamily="2" charset="-127"/>
+              </a:rPr>
+              <a:t>맞닿아있는</a:t>
+            </a:r>
+            <a:r>
+              <a:rPr lang="ko-KR" altLang="en-US" sz="2400" dirty="0">
+                <a:latin typeface="Sandoll 삼립호빵체 TTF Basic" panose="00000500000000000000" pitchFamily="2" charset="-127"/>
+                <a:ea typeface="Sandoll 삼립호빵체 TTF Basic" panose="00000500000000000000" pitchFamily="2" charset="-127"/>
+              </a:rPr>
+              <a:t> 면을 따라 어느 </a:t>
+            </a:r>
+            <a:r>
+              <a:rPr lang="ko-KR" altLang="en-US" sz="2400" dirty="0" err="1">
+                <a:latin typeface="Sandoll 삼립호빵체 TTF Basic" panose="00000500000000000000" pitchFamily="2" charset="-127"/>
+                <a:ea typeface="Sandoll 삼립호빵체 TTF Basic" panose="00000500000000000000" pitchFamily="2" charset="-127"/>
+              </a:rPr>
+              <a:t>방향으로든</a:t>
+            </a:r>
+            <a:r>
+              <a:rPr lang="ko-KR" altLang="en-US" sz="2400" dirty="0">
+                <a:latin typeface="Sandoll 삼립호빵체 TTF Basic" panose="00000500000000000000" pitchFamily="2" charset="-127"/>
+                <a:ea typeface="Sandoll 삼립호빵체 TTF Basic" panose="00000500000000000000" pitchFamily="2" charset="-127"/>
+              </a:rPr>
+              <a:t> 이동할 수 있지만</a:t>
+            </a:r>
+            <a:r>
+              <a:rPr lang="en-US" altLang="ko-KR" sz="2400" dirty="0">
+                <a:latin typeface="Sandoll 삼립호빵체 TTF Basic" panose="00000500000000000000" pitchFamily="2" charset="-127"/>
+                <a:ea typeface="Sandoll 삼립호빵체 TTF Basic" panose="00000500000000000000" pitchFamily="2" charset="-127"/>
+              </a:rPr>
+              <a:t>,</a:t>
+            </a:r>
+            <a:br>
+              <a:rPr lang="en-US" altLang="ko-KR" sz="2400" dirty="0">
+                <a:latin typeface="Sandoll 삼립호빵체 TTF Basic" panose="00000500000000000000" pitchFamily="2" charset="-127"/>
+                <a:ea typeface="Sandoll 삼립호빵체 TTF Basic" panose="00000500000000000000" pitchFamily="2" charset="-127"/>
+              </a:rPr>
+            </a:br>
+            <a:r>
+              <a:rPr lang="ko-KR" altLang="en-US" sz="2400" dirty="0" err="1">
+                <a:latin typeface="Sandoll 삼립호빵체 TTF Basic" panose="00000500000000000000" pitchFamily="2" charset="-127"/>
+                <a:ea typeface="Sandoll 삼립호빵체 TTF Basic" panose="00000500000000000000" pitchFamily="2" charset="-127"/>
+              </a:rPr>
+              <a:t>맞닿아있지</a:t>
+            </a:r>
+            <a:r>
+              <a:rPr lang="ko-KR" altLang="en-US" sz="2400" dirty="0">
+                <a:latin typeface="Sandoll 삼립호빵체 TTF Basic" panose="00000500000000000000" pitchFamily="2" charset="-127"/>
+                <a:ea typeface="Sandoll 삼립호빵체 TTF Basic" panose="00000500000000000000" pitchFamily="2" charset="-127"/>
+              </a:rPr>
+              <a:t> 않은 면으로는 이동할 수 없음</a:t>
+            </a:r>
+            <a:r>
+              <a:rPr lang="en-US" altLang="ko-KR" sz="2400" dirty="0">
+                <a:latin typeface="Sandoll 삼립호빵체 TTF Basic" panose="00000500000000000000" pitchFamily="2" charset="-127"/>
+                <a:ea typeface="Sandoll 삼립호빵체 TTF Basic" panose="00000500000000000000" pitchFamily="2" charset="-127"/>
+              </a:rPr>
+              <a:t>.</a:t>
+            </a:r>
+          </a:p>
+          <a:p>
+            <a:pPr marL="342900" indent="-342900">
+              <a:buFontTx/>
+              <a:buChar char="-"/>
+            </a:pPr>
+            <a:r>
+              <a:rPr lang="ko-KR" altLang="en-US" sz="2400" dirty="0">
+                <a:latin typeface="Sandoll 삼립호빵체 TTF Basic" panose="00000500000000000000" pitchFamily="2" charset="-127"/>
+                <a:ea typeface="Sandoll 삼립호빵체 TTF Basic" panose="00000500000000000000" pitchFamily="2" charset="-127"/>
+              </a:rPr>
+              <a:t>이 제약 안에서 골까지 </a:t>
+            </a:r>
+            <a:r>
+              <a:rPr lang="ko-KR" altLang="en-US" sz="2400" dirty="0" err="1">
+                <a:latin typeface="Sandoll 삼립호빵체 TTF Basic" panose="00000500000000000000" pitchFamily="2" charset="-127"/>
+                <a:ea typeface="Sandoll 삼립호빵체 TTF Basic" panose="00000500000000000000" pitchFamily="2" charset="-127"/>
+              </a:rPr>
+              <a:t>도달해야함</a:t>
+            </a:r>
+            <a:r>
+              <a:rPr lang="en-US" altLang="ko-KR" sz="2400" dirty="0">
+                <a:latin typeface="Sandoll 삼립호빵체 TTF Basic" panose="00000500000000000000" pitchFamily="2" charset="-127"/>
+                <a:ea typeface="Sandoll 삼립호빵체 TTF Basic" panose="00000500000000000000" pitchFamily="2" charset="-127"/>
+              </a:rPr>
+              <a:t>.</a:t>
+            </a:r>
+          </a:p>
+          <a:p>
+            <a:pPr marL="342900" indent="-342900">
+              <a:buFontTx/>
+              <a:buChar char="-"/>
+            </a:pPr>
+            <a:r>
+              <a:rPr lang="ko-KR" altLang="en-US" sz="2400" dirty="0">
+                <a:latin typeface="Sandoll 삼립호빵체 TTF Basic" panose="00000500000000000000" pitchFamily="2" charset="-127"/>
+                <a:ea typeface="Sandoll 삼립호빵체 TTF Basic" panose="00000500000000000000" pitchFamily="2" charset="-127"/>
+              </a:rPr>
+              <a:t>레벨 에디터가 있음</a:t>
+            </a:r>
+            <a:r>
+              <a:rPr lang="en-US" altLang="ko-KR" sz="2400" dirty="0">
+                <a:latin typeface="Sandoll 삼립호빵체 TTF Basic" panose="00000500000000000000" pitchFamily="2" charset="-127"/>
+                <a:ea typeface="Sandoll 삼립호빵체 TTF Basic" panose="00000500000000000000" pitchFamily="2" charset="-127"/>
+              </a:rPr>
+              <a:t>.</a:t>
+            </a:r>
+          </a:p>
+          <a:p>
+            <a:pPr marL="342900" indent="-342900">
+              <a:buFontTx/>
+              <a:buChar char="-"/>
+            </a:pPr>
+            <a:endParaRPr lang="en-US" altLang="ko-KR" sz="2400" dirty="0">
+              <a:latin typeface="Sandoll 삼립호빵체 TTF Basic" panose="00000500000000000000" pitchFamily="2" charset="-127"/>
+              <a:ea typeface="Sandoll 삼립호빵체 TTF Basic" panose="00000500000000000000" pitchFamily="2" charset="-127"/>
+            </a:endParaRPr>
+          </a:p>
+          <a:p>
+            <a:pPr marL="342900" indent="-342900">
+              <a:buFontTx/>
+              <a:buChar char="-"/>
+            </a:pPr>
+            <a:r>
+              <a:rPr lang="ko-KR" altLang="en-US" sz="2400" dirty="0">
+                <a:latin typeface="Sandoll 삼립호빵체 TTF Basic" panose="00000500000000000000" pitchFamily="2" charset="-127"/>
+                <a:ea typeface="Sandoll 삼립호빵체 TTF Basic" panose="00000500000000000000" pitchFamily="2" charset="-127"/>
+              </a:rPr>
+              <a:t>단점</a:t>
+            </a:r>
+            <a:endParaRPr lang="en-US" altLang="ko-KR" sz="2400" dirty="0">
+              <a:latin typeface="Sandoll 삼립호빵체 TTF Basic" panose="00000500000000000000" pitchFamily="2" charset="-127"/>
+              <a:ea typeface="Sandoll 삼립호빵체 TTF Basic" panose="00000500000000000000" pitchFamily="2" charset="-127"/>
+            </a:endParaRPr>
+          </a:p>
+          <a:p>
+            <a:pPr marL="342900" indent="-342900">
+              <a:buFontTx/>
+              <a:buChar char="-"/>
+            </a:pPr>
+            <a:r>
+              <a:rPr lang="ko-KR" altLang="en-US" sz="2400" dirty="0">
+                <a:latin typeface="Sandoll 삼립호빵체 TTF Basic" panose="00000500000000000000" pitchFamily="2" charset="-127"/>
+                <a:ea typeface="Sandoll 삼립호빵체 TTF Basic" panose="00000500000000000000" pitchFamily="2" charset="-127"/>
+              </a:rPr>
+              <a:t>규칙이 한 가지 뿐</a:t>
+            </a:r>
+            <a:r>
+              <a:rPr lang="en-US" altLang="ko-KR" sz="2400" dirty="0">
+                <a:latin typeface="Sandoll 삼립호빵체 TTF Basic" panose="00000500000000000000" pitchFamily="2" charset="-127"/>
+                <a:ea typeface="Sandoll 삼립호빵체 TTF Basic" panose="00000500000000000000" pitchFamily="2" charset="-127"/>
+              </a:rPr>
+              <a:t>, </a:t>
+            </a:r>
+            <a:r>
+              <a:rPr lang="ko-KR" altLang="en-US" sz="2400" dirty="0">
+                <a:latin typeface="Sandoll 삼립호빵체 TTF Basic" panose="00000500000000000000" pitchFamily="2" charset="-127"/>
+                <a:ea typeface="Sandoll 삼립호빵체 TTF Basic" panose="00000500000000000000" pitchFamily="2" charset="-127"/>
+              </a:rPr>
+              <a:t>게임이 많이 단조로움</a:t>
+            </a:r>
+            <a:endParaRPr lang="en-US" altLang="ko-KR" sz="2400" dirty="0">
+              <a:latin typeface="Sandoll 삼립호빵체 TTF Basic" panose="00000500000000000000" pitchFamily="2" charset="-127"/>
+              <a:ea typeface="Sandoll 삼립호빵체 TTF Basic" panose="00000500000000000000" pitchFamily="2" charset="-127"/>
+            </a:endParaRPr>
+          </a:p>
+        </p:txBody>
+      </p:sp>
+    </p:spTree>
+    <p:extLst>
+      <p:ext uri="{BB962C8B-B14F-4D97-AF65-F5344CB8AC3E}">
+        <p14:creationId xmlns:p14="http://schemas.microsoft.com/office/powerpoint/2010/main" val="2359448343"/>
+      </p:ext>
+    </p:extLst>
+  </p:cSld>
+  <p:clrMapOvr>
+    <a:masterClrMapping/>
   </p:clrMapOvr>
 </p:sld>
 </file>
@@ -4354,6 +5240,180 @@
           <a:chExt cx="0" cy="0"/>
         </a:xfrm>
       </p:grpSpPr>
+      <p:pic>
+        <p:nvPicPr>
+          <p:cNvPr id="3" name="그림 2" descr="텍스트, 스크린샷, 메뉴이(가) 표시된 사진&#10;&#10;자동 생성된 설명">
+            <a:extLst>
+              <a:ext uri="{FF2B5EF4-FFF2-40B4-BE49-F238E27FC236}">
+                <a16:creationId xmlns:a16="http://schemas.microsoft.com/office/drawing/2014/main" id="{FD0ADA6C-8F92-A990-92B6-FF530B09D739}"/>
+              </a:ext>
+            </a:extLst>
+          </p:cNvPr>
+          <p:cNvPicPr>
+            <a:picLocks noChangeAspect="1"/>
+          </p:cNvPicPr>
+          <p:nvPr/>
+        </p:nvPicPr>
+        <p:blipFill>
+          <a:blip r:embed="rId2">
+            <a:extLst>
+              <a:ext uri="{28A0092B-C50C-407E-A947-70E740481C1C}">
+                <a14:useLocalDpi xmlns:a14="http://schemas.microsoft.com/office/drawing/2010/main" val="0"/>
+              </a:ext>
+            </a:extLst>
+          </a:blip>
+          <a:stretch>
+            <a:fillRect/>
+          </a:stretch>
+        </p:blipFill>
+        <p:spPr>
+          <a:xfrm>
+            <a:off x="382656" y="923924"/>
+            <a:ext cx="2847562" cy="5457826"/>
+          </a:xfrm>
+          <a:prstGeom prst="rect">
+            <a:avLst/>
+          </a:prstGeom>
+        </p:spPr>
+      </p:pic>
+      <p:pic>
+        <p:nvPicPr>
+          <p:cNvPr id="5" name="그림 4" descr="텍스트, 스크린샷이(가) 표시된 사진&#10;&#10;자동 생성된 설명">
+            <a:extLst>
+              <a:ext uri="{FF2B5EF4-FFF2-40B4-BE49-F238E27FC236}">
+                <a16:creationId xmlns:a16="http://schemas.microsoft.com/office/drawing/2014/main" id="{F8113B29-7CC2-A0D1-DC35-86CF07643BAA}"/>
+              </a:ext>
+            </a:extLst>
+          </p:cNvPr>
+          <p:cNvPicPr>
+            <a:picLocks noChangeAspect="1"/>
+          </p:cNvPicPr>
+          <p:nvPr/>
+        </p:nvPicPr>
+        <p:blipFill>
+          <a:blip r:embed="rId3">
+            <a:extLst>
+              <a:ext uri="{28A0092B-C50C-407E-A947-70E740481C1C}">
+                <a14:useLocalDpi xmlns:a14="http://schemas.microsoft.com/office/drawing/2010/main" val="0"/>
+              </a:ext>
+            </a:extLst>
+          </a:blip>
+          <a:stretch>
+            <a:fillRect/>
+          </a:stretch>
+        </p:blipFill>
+        <p:spPr>
+          <a:xfrm>
+            <a:off x="3363268" y="923924"/>
+            <a:ext cx="2783500" cy="5379225"/>
+          </a:xfrm>
+          <a:prstGeom prst="rect">
+            <a:avLst/>
+          </a:prstGeom>
+        </p:spPr>
+      </p:pic>
+      <p:pic>
+        <p:nvPicPr>
+          <p:cNvPr id="7" name="그림 6" descr="텍스트, 스크린샷, 소프트웨어, 컴퓨터 아이콘이(가) 표시된 사진&#10;&#10;자동 생성된 설명">
+            <a:extLst>
+              <a:ext uri="{FF2B5EF4-FFF2-40B4-BE49-F238E27FC236}">
+                <a16:creationId xmlns:a16="http://schemas.microsoft.com/office/drawing/2014/main" id="{B434D784-B558-80FB-3BDD-2ACDB2B79EBF}"/>
+              </a:ext>
+            </a:extLst>
+          </p:cNvPr>
+          <p:cNvPicPr>
+            <a:picLocks noChangeAspect="1"/>
+          </p:cNvPicPr>
+          <p:nvPr/>
+        </p:nvPicPr>
+        <p:blipFill>
+          <a:blip r:embed="rId4">
+            <a:extLst>
+              <a:ext uri="{28A0092B-C50C-407E-A947-70E740481C1C}">
+                <a14:useLocalDpi xmlns:a14="http://schemas.microsoft.com/office/drawing/2010/main" val="0"/>
+              </a:ext>
+            </a:extLst>
+          </a:blip>
+          <a:stretch>
+            <a:fillRect/>
+          </a:stretch>
+        </p:blipFill>
+        <p:spPr>
+          <a:xfrm>
+            <a:off x="5880296" y="923924"/>
+            <a:ext cx="2964063" cy="5379225"/>
+          </a:xfrm>
+          <a:prstGeom prst="rect">
+            <a:avLst/>
+          </a:prstGeom>
+        </p:spPr>
+      </p:pic>
+      <p:pic>
+        <p:nvPicPr>
+          <p:cNvPr id="9" name="그림 8" descr="텍스트, 스크린샷, 소프트웨어, 웹사이트이(가) 표시된 사진&#10;&#10;자동 생성된 설명">
+            <a:extLst>
+              <a:ext uri="{FF2B5EF4-FFF2-40B4-BE49-F238E27FC236}">
+                <a16:creationId xmlns:a16="http://schemas.microsoft.com/office/drawing/2014/main" id="{9A383605-3F72-DB5D-E607-23A84C096A8E}"/>
+              </a:ext>
+            </a:extLst>
+          </p:cNvPr>
+          <p:cNvPicPr>
+            <a:picLocks noChangeAspect="1"/>
+          </p:cNvPicPr>
+          <p:nvPr/>
+        </p:nvPicPr>
+        <p:blipFill>
+          <a:blip r:embed="rId5">
+            <a:extLst>
+              <a:ext uri="{28A0092B-C50C-407E-A947-70E740481C1C}">
+                <a14:useLocalDpi xmlns:a14="http://schemas.microsoft.com/office/drawing/2010/main" val="0"/>
+              </a:ext>
+            </a:extLst>
+          </a:blip>
+          <a:stretch>
+            <a:fillRect/>
+          </a:stretch>
+        </p:blipFill>
+        <p:spPr>
+          <a:xfrm>
+            <a:off x="8796846" y="923924"/>
+            <a:ext cx="2961904" cy="5379225"/>
+          </a:xfrm>
+          <a:prstGeom prst="rect">
+            <a:avLst/>
+          </a:prstGeom>
+        </p:spPr>
+      </p:pic>
+    </p:spTree>
+    <p:extLst>
+      <p:ext uri="{BB962C8B-B14F-4D97-AF65-F5344CB8AC3E}">
+        <p14:creationId xmlns:p14="http://schemas.microsoft.com/office/powerpoint/2010/main" val="2976032636"/>
+      </p:ext>
+    </p:extLst>
+  </p:cSld>
+  <p:clrMapOvr>
+    <a:masterClrMapping/>
+  </p:clrMapOvr>
+</p:sld>
+</file>
+
+<file path=ppt/slides/slide4.xml><?xml version="1.0" encoding="utf-8"?>
+<p:sld xmlns:a="http://schemas.openxmlformats.org/drawingml/2006/main" xmlns:r="http://schemas.openxmlformats.org/officeDocument/2006/relationships" xmlns:p="http://schemas.openxmlformats.org/presentationml/2006/main">
+  <p:cSld>
+    <p:spTree>
+      <p:nvGrpSpPr>
+        <p:cNvPr id="1" name=""/>
+        <p:cNvGrpSpPr/>
+        <p:nvPr/>
+      </p:nvGrpSpPr>
+      <p:grpSpPr>
+        <a:xfrm>
+          <a:off x="0" y="0"/>
+          <a:ext cx="0" cy="0"/>
+          <a:chOff x="0" y="0"/>
+          <a:chExt cx="0" cy="0"/>
+        </a:xfrm>
+      </p:grpSpPr>
       <p:sp>
         <p:nvSpPr>
           <p:cNvPr id="2" name="제목 1">
@@ -4502,9 +5562,17 @@
 </p:sld>
 </file>
 
-<file path=ppt/slides/slide4.xml><?xml version="1.0" encoding="utf-8"?>
+<file path=ppt/slides/slide5.xml><?xml version="1.0" encoding="utf-8"?>
 <p:sld xmlns:a="http://schemas.openxmlformats.org/drawingml/2006/main" xmlns:r="http://schemas.openxmlformats.org/officeDocument/2006/relationships" xmlns:p="http://schemas.openxmlformats.org/presentationml/2006/main">
   <p:cSld>
+    <p:bg>
+      <p:bgPr>
+        <a:solidFill>
+          <a:schemeClr val="bg1"/>
+        </a:solidFill>
+        <a:effectLst/>
+      </p:bgPr>
+    </p:bg>
     <p:spTree>
       <p:nvGrpSpPr>
         <p:cNvPr id="1" name=""/>
@@ -4519,249 +5587,166 @@
           <a:chExt cx="0" cy="0"/>
         </a:xfrm>
       </p:grpSpPr>
-      <p:sp>
-        <p:nvSpPr>
-          <p:cNvPr id="2" name="제목 1">
-            <a:extLst>
-              <a:ext uri="{FF2B5EF4-FFF2-40B4-BE49-F238E27FC236}">
-                <a16:creationId xmlns:a16="http://schemas.microsoft.com/office/drawing/2014/main" id="{12331193-B0B3-D123-9842-52DF0B17041C}"/>
-              </a:ext>
-            </a:extLst>
-          </p:cNvPr>
-          <p:cNvSpPr>
-            <a:spLocks noGrp="1"/>
-          </p:cNvSpPr>
-          <p:nvPr>
-            <p:ph type="title"/>
-          </p:nvPr>
-        </p:nvSpPr>
-        <p:spPr/>
-        <p:txBody>
-          <a:bodyPr/>
-          <a:lstStyle/>
-          <a:p>
-            <a:pPr algn="ctr"/>
-            <a:r>
-              <a:rPr lang="ko-KR" altLang="en-US" dirty="0"/>
-              <a:t>퍼즐 게임</a:t>
-            </a:r>
-          </a:p>
-        </p:txBody>
-      </p:sp>
-      <p:sp>
-        <p:nvSpPr>
-          <p:cNvPr id="4" name="내용 개체 틀 3">
-            <a:extLst>
-              <a:ext uri="{FF2B5EF4-FFF2-40B4-BE49-F238E27FC236}">
-                <a16:creationId xmlns:a16="http://schemas.microsoft.com/office/drawing/2014/main" id="{7335E76D-E7D4-A18B-9BC0-6FCCBC0F8DB4}"/>
-              </a:ext>
-            </a:extLst>
-          </p:cNvPr>
-          <p:cNvSpPr>
-            <a:spLocks noGrp="1"/>
-          </p:cNvSpPr>
-          <p:nvPr>
-            <p:ph sz="half" idx="2"/>
-          </p:nvPr>
-        </p:nvSpPr>
-        <p:spPr>
+      <p:sp useBgFill="1">
+        <p:nvSpPr>
+          <p:cNvPr id="12" name="Rectangle 11">
+            <a:extLst>
+              <a:ext uri="{FF2B5EF4-FFF2-40B4-BE49-F238E27FC236}">
+                <a16:creationId xmlns:a16="http://schemas.microsoft.com/office/drawing/2014/main" id="{4F7B9026-36AD-42E4-B172-8D68F3A339B4}"/>
+              </a:ext>
+              <a:ext uri="{C183D7F6-B498-43B3-948B-1728B52AA6E4}">
+                <adec:decorative xmlns:adec="http://schemas.microsoft.com/office/drawing/2017/decorative" val="1"/>
+              </a:ext>
+            </a:extLst>
+          </p:cNvPr>
+          <p:cNvSpPr>
+            <a:spLocks noGrp="1" noRot="1" noChangeAspect="1" noMove="1" noResize="1" noEditPoints="1" noAdjustHandles="1" noChangeArrowheads="1" noChangeShapeType="1" noTextEdit="1"/>
+          </p:cNvSpPr>
+          <p:nvPr>
+            <p:extLst>
+              <p:ext uri="{386F3935-93C4-4BCD-93E2-E3B085C9AB24}">
+                <p16:designElem xmlns:p16="http://schemas.microsoft.com/office/powerpoint/2015/main" val="1"/>
+              </p:ext>
+            </p:extLst>
+          </p:nvPr>
+        </p:nvSpPr>
+        <p:spPr bwMode="white">
           <a:xfrm>
-            <a:off x="2201694" y="2467523"/>
-            <a:ext cx="7788612" cy="3322895"/>
-          </a:xfrm>
-        </p:spPr>
-        <p:txBody>
-          <a:bodyPr/>
-          <a:lstStyle/>
-          <a:p>
-            <a:pPr marL="342900" indent="-342900">
-              <a:buFontTx/>
-              <a:buChar char="-"/>
-            </a:pPr>
-            <a:r>
-              <a:rPr lang="ko-KR" altLang="en-US" sz="3200" dirty="0"/>
-              <a:t>간단한 조작</a:t>
-            </a:r>
-            <a:endParaRPr lang="en-US" altLang="ko-KR" sz="3200" dirty="0"/>
-          </a:p>
-          <a:p>
-            <a:pPr marL="342900" indent="-342900">
-              <a:buFontTx/>
-              <a:buChar char="-"/>
-            </a:pPr>
-            <a:r>
-              <a:rPr lang="ko-KR" altLang="en-US" sz="3200" dirty="0"/>
-              <a:t>스테이지별 짧은 플레이 시간</a:t>
-            </a:r>
-            <a:endParaRPr lang="en-US" altLang="ko-KR" sz="3200" dirty="0"/>
-          </a:p>
-          <a:p>
-            <a:pPr marL="342900" indent="-342900">
-              <a:buFontTx/>
-              <a:buChar char="-"/>
-            </a:pPr>
-            <a:r>
-              <a:rPr lang="ko-KR" altLang="en-US" sz="3200" dirty="0"/>
-              <a:t>이해하기 쉬운 로직의 반복과 확장</a:t>
-            </a:r>
-            <a:endParaRPr lang="en-US" altLang="ko-KR" sz="3200" dirty="0"/>
-          </a:p>
-          <a:p>
-            <a:pPr marL="342900" indent="-342900">
-              <a:buFontTx/>
-              <a:buChar char="-"/>
-            </a:pPr>
-            <a:r>
-              <a:rPr lang="en-US" altLang="ko-KR" sz="3200" dirty="0"/>
-              <a:t>=&gt; </a:t>
-            </a:r>
-            <a:r>
-              <a:rPr lang="ko-KR" altLang="en-US" sz="3200" dirty="0"/>
-              <a:t>두뇌 </a:t>
-            </a:r>
-            <a:r>
-              <a:rPr lang="en-US" altLang="ko-KR" sz="3200" dirty="0"/>
-              <a:t>Ice breaking</a:t>
-            </a:r>
-            <a:r>
-              <a:rPr lang="ko-KR" altLang="en-US" sz="3200" dirty="0"/>
-              <a:t>에 도움을 줌</a:t>
-            </a:r>
-            <a:endParaRPr lang="en-US" altLang="ko-KR" sz="3200" dirty="0"/>
-          </a:p>
-        </p:txBody>
-      </p:sp>
-      <p:sp>
-        <p:nvSpPr>
-          <p:cNvPr id="7" name="TextBox 6">
-            <a:extLst>
-              <a:ext uri="{FF2B5EF4-FFF2-40B4-BE49-F238E27FC236}">
-                <a16:creationId xmlns:a16="http://schemas.microsoft.com/office/drawing/2014/main" id="{ABC57AF6-841F-52A1-27D0-420131AFDDB5}"/>
-              </a:ext>
-            </a:extLst>
-          </p:cNvPr>
-          <p:cNvSpPr txBox="1"/>
-          <p:nvPr/>
-        </p:nvSpPr>
-        <p:spPr>
-          <a:xfrm>
-            <a:off x="3284974" y="5790418"/>
-            <a:ext cx="5622052" cy="646331"/>
+            <a:off x="1524" y="0"/>
+            <a:ext cx="12188952" cy="6858000"/>
           </a:xfrm>
           <a:prstGeom prst="rect">
             <a:avLst/>
           </a:prstGeom>
-          <a:noFill/>
+          <a:ln>
+            <a:noFill/>
+          </a:ln>
         </p:spPr>
-        <p:txBody>
-          <a:bodyPr wrap="none" rtlCol="0">
-            <a:spAutoFit/>
-          </a:bodyPr>
-          <a:lstStyle/>
-          <a:p>
-            <a:r>
-              <a:rPr lang="ko-KR" altLang="en-US" sz="3600" b="1" dirty="0">
-                <a:latin typeface="Sandoll 삼립호빵체 TTF Basic" panose="00000500000000000000" pitchFamily="2" charset="-127"/>
-                <a:ea typeface="Sandoll 삼립호빵체 TTF Basic" panose="00000500000000000000" pitchFamily="2" charset="-127"/>
-              </a:rPr>
-              <a:t>주의 환기가 필요한 </a:t>
-            </a:r>
-            <a:r>
-              <a:rPr lang="en-US" altLang="ko-KR" sz="3600" b="1" dirty="0">
-                <a:latin typeface="Sandoll 삼립호빵체 TTF Basic" panose="00000500000000000000" pitchFamily="2" charset="-127"/>
-                <a:ea typeface="Sandoll 삼립호빵체 TTF Basic" panose="00000500000000000000" pitchFamily="2" charset="-127"/>
-              </a:rPr>
-              <a:t>2-30</a:t>
-            </a:r>
-            <a:r>
-              <a:rPr lang="ko-KR" altLang="en-US" sz="3600" b="1" dirty="0">
-                <a:latin typeface="Sandoll 삼립호빵체 TTF Basic" panose="00000500000000000000" pitchFamily="2" charset="-127"/>
-                <a:ea typeface="Sandoll 삼립호빵체 TTF Basic" panose="00000500000000000000" pitchFamily="2" charset="-127"/>
-              </a:rPr>
-              <a:t>대 타깃</a:t>
-            </a:r>
-          </a:p>
-        </p:txBody>
-      </p:sp>
-    </p:spTree>
-    <p:extLst>
-      <p:ext uri="{BB962C8B-B14F-4D97-AF65-F5344CB8AC3E}">
-        <p14:creationId xmlns:p14="http://schemas.microsoft.com/office/powerpoint/2010/main" val="2919604220"/>
-      </p:ext>
-    </p:extLst>
-  </p:cSld>
-  <p:clrMapOvr>
-    <a:masterClrMapping/>
-  </p:clrMapOvr>
-</p:sld>
-</file>
-
-<file path=ppt/slides/slide5.xml><?xml version="1.0" encoding="utf-8"?>
-<p:sld xmlns:a="http://schemas.openxmlformats.org/drawingml/2006/main" xmlns:r="http://schemas.openxmlformats.org/officeDocument/2006/relationships" xmlns:p="http://schemas.openxmlformats.org/presentationml/2006/main">
-  <p:cSld>
-    <p:spTree>
-      <p:nvGrpSpPr>
-        <p:cNvPr id="1" name=""/>
-        <p:cNvGrpSpPr/>
-        <p:nvPr/>
-      </p:nvGrpSpPr>
-      <p:grpSpPr>
-        <a:xfrm>
-          <a:off x="0" y="0"/>
-          <a:ext cx="0" cy="0"/>
-          <a:chOff x="0" y="0"/>
-          <a:chExt cx="0" cy="0"/>
-        </a:xfrm>
-      </p:grpSpPr>
-      <p:sp>
-        <p:nvSpPr>
-          <p:cNvPr id="2" name="제목 1">
-            <a:extLst>
-              <a:ext uri="{FF2B5EF4-FFF2-40B4-BE49-F238E27FC236}">
-                <a16:creationId xmlns:a16="http://schemas.microsoft.com/office/drawing/2014/main" id="{A6DB8075-D1FB-22C1-C191-2DA524033404}"/>
-              </a:ext>
-            </a:extLst>
-          </p:cNvPr>
-          <p:cNvSpPr>
-            <a:spLocks noGrp="1"/>
-          </p:cNvSpPr>
-          <p:nvPr>
-            <p:ph type="title"/>
-          </p:nvPr>
-        </p:nvSpPr>
-        <p:spPr/>
-        <p:txBody>
-          <a:bodyPr/>
-          <a:lstStyle/>
-          <a:p>
-            <a:r>
-              <a:rPr lang="ko-KR" altLang="en-US" dirty="0"/>
-              <a:t>동일장르 </a:t>
-            </a:r>
-            <a:br>
-              <a:rPr lang="en-US" altLang="ko-KR" dirty="0"/>
-            </a:br>
-            <a:r>
-              <a:rPr lang="ko-KR" altLang="en-US" dirty="0"/>
-              <a:t>게임 비교</a:t>
-            </a:r>
-            <a:br>
-              <a:rPr lang="en-US" altLang="ko-KR" dirty="0"/>
-            </a:br>
-            <a:r>
-              <a:rPr lang="en-US" altLang="ko-KR" sz="3600" dirty="0"/>
-              <a:t>1. Monument Valley</a:t>
-            </a:r>
-            <a:endParaRPr lang="ko-KR" altLang="en-US" dirty="0"/>
+        <p:style>
+          <a:lnRef idx="2">
+            <a:schemeClr val="accent1">
+              <a:shade val="50000"/>
+            </a:schemeClr>
+          </a:lnRef>
+          <a:fillRef idx="1">
+            <a:schemeClr val="accent1"/>
+          </a:fillRef>
+          <a:effectRef idx="0">
+            <a:schemeClr val="accent1"/>
+          </a:effectRef>
+          <a:fontRef idx="minor">
+            <a:schemeClr val="lt1"/>
+          </a:fontRef>
+        </p:style>
+        <p:txBody>
+          <a:bodyPr rtlCol="0" anchor="ctr"/>
+          <a:lstStyle>
+            <a:defPPr>
+              <a:defRPr lang="en-US"/>
+            </a:defPPr>
+            <a:lvl1pPr marL="0" algn="l" defTabSz="914400" rtl="0" eaLnBrk="1" latinLnBrk="0" hangingPunct="1">
+              <a:defRPr sz="1800" kern="1200">
+                <a:solidFill>
+                  <a:schemeClr val="lt1"/>
+                </a:solidFill>
+                <a:latin typeface="+mn-lt"/>
+                <a:ea typeface="+mn-ea"/>
+                <a:cs typeface="+mn-cs"/>
+              </a:defRPr>
+            </a:lvl1pPr>
+            <a:lvl2pPr marL="457200" algn="l" defTabSz="914400" rtl="0" eaLnBrk="1" latinLnBrk="0" hangingPunct="1">
+              <a:defRPr sz="1800" kern="1200">
+                <a:solidFill>
+                  <a:schemeClr val="lt1"/>
+                </a:solidFill>
+                <a:latin typeface="+mn-lt"/>
+                <a:ea typeface="+mn-ea"/>
+                <a:cs typeface="+mn-cs"/>
+              </a:defRPr>
+            </a:lvl2pPr>
+            <a:lvl3pPr marL="914400" algn="l" defTabSz="914400" rtl="0" eaLnBrk="1" latinLnBrk="0" hangingPunct="1">
+              <a:defRPr sz="1800" kern="1200">
+                <a:solidFill>
+                  <a:schemeClr val="lt1"/>
+                </a:solidFill>
+                <a:latin typeface="+mn-lt"/>
+                <a:ea typeface="+mn-ea"/>
+                <a:cs typeface="+mn-cs"/>
+              </a:defRPr>
+            </a:lvl3pPr>
+            <a:lvl4pPr marL="1371600" algn="l" defTabSz="914400" rtl="0" eaLnBrk="1" latinLnBrk="0" hangingPunct="1">
+              <a:defRPr sz="1800" kern="1200">
+                <a:solidFill>
+                  <a:schemeClr val="lt1"/>
+                </a:solidFill>
+                <a:latin typeface="+mn-lt"/>
+                <a:ea typeface="+mn-ea"/>
+                <a:cs typeface="+mn-cs"/>
+              </a:defRPr>
+            </a:lvl4pPr>
+            <a:lvl5pPr marL="1828800" algn="l" defTabSz="914400" rtl="0" eaLnBrk="1" latinLnBrk="0" hangingPunct="1">
+              <a:defRPr sz="1800" kern="1200">
+                <a:solidFill>
+                  <a:schemeClr val="lt1"/>
+                </a:solidFill>
+                <a:latin typeface="+mn-lt"/>
+                <a:ea typeface="+mn-ea"/>
+                <a:cs typeface="+mn-cs"/>
+              </a:defRPr>
+            </a:lvl5pPr>
+            <a:lvl6pPr marL="2286000" algn="l" defTabSz="914400" rtl="0" eaLnBrk="1" latinLnBrk="0" hangingPunct="1">
+              <a:defRPr sz="1800" kern="1200">
+                <a:solidFill>
+                  <a:schemeClr val="lt1"/>
+                </a:solidFill>
+                <a:latin typeface="+mn-lt"/>
+                <a:ea typeface="+mn-ea"/>
+                <a:cs typeface="+mn-cs"/>
+              </a:defRPr>
+            </a:lvl6pPr>
+            <a:lvl7pPr marL="2743200" algn="l" defTabSz="914400" rtl="0" eaLnBrk="1" latinLnBrk="0" hangingPunct="1">
+              <a:defRPr sz="1800" kern="1200">
+                <a:solidFill>
+                  <a:schemeClr val="lt1"/>
+                </a:solidFill>
+                <a:latin typeface="+mn-lt"/>
+                <a:ea typeface="+mn-ea"/>
+                <a:cs typeface="+mn-cs"/>
+              </a:defRPr>
+            </a:lvl7pPr>
+            <a:lvl8pPr marL="3200400" algn="l" defTabSz="914400" rtl="0" eaLnBrk="1" latinLnBrk="0" hangingPunct="1">
+              <a:defRPr sz="1800" kern="1200">
+                <a:solidFill>
+                  <a:schemeClr val="lt1"/>
+                </a:solidFill>
+                <a:latin typeface="+mn-lt"/>
+                <a:ea typeface="+mn-ea"/>
+                <a:cs typeface="+mn-cs"/>
+              </a:defRPr>
+            </a:lvl8pPr>
+            <a:lvl9pPr marL="3657600" algn="l" defTabSz="914400" rtl="0" eaLnBrk="1" latinLnBrk="0" hangingPunct="1">
+              <a:defRPr sz="1800" kern="1200">
+                <a:solidFill>
+                  <a:schemeClr val="lt1"/>
+                </a:solidFill>
+                <a:latin typeface="+mn-lt"/>
+                <a:ea typeface="+mn-ea"/>
+                <a:cs typeface="+mn-cs"/>
+              </a:defRPr>
+            </a:lvl9pPr>
+          </a:lstStyle>
+          <a:p>
+            <a:pPr algn="ctr"/>
+            <a:endParaRPr lang="en-US"/>
           </a:p>
         </p:txBody>
       </p:sp>
       <p:pic>
         <p:nvPicPr>
-          <p:cNvPr id="5" name="그림 4">
-            <a:extLst>
-              <a:ext uri="{FF2B5EF4-FFF2-40B4-BE49-F238E27FC236}">
-                <a16:creationId xmlns:a16="http://schemas.microsoft.com/office/drawing/2014/main" id="{ACEB678F-0763-876C-82D6-2DCF488C4BA2}"/>
+          <p:cNvPr id="3" name="그림 2" descr="텍스트, 스크린샷이(가) 표시된 사진&#10;&#10;자동 생성된 설명">
+            <a:extLst>
+              <a:ext uri="{FF2B5EF4-FFF2-40B4-BE49-F238E27FC236}">
+                <a16:creationId xmlns:a16="http://schemas.microsoft.com/office/drawing/2014/main" id="{94101774-67D0-BBBE-1042-D497356EF5E6}"/>
               </a:ext>
             </a:extLst>
           </p:cNvPr>
@@ -4770,16 +5755,21 @@
           </p:cNvPicPr>
           <p:nvPr/>
         </p:nvPicPr>
-        <p:blipFill>
-          <a:blip r:embed="rId2"/>
-          <a:stretch>
-            <a:fillRect/>
-          </a:stretch>
+        <p:blipFill rotWithShape="1">
+          <a:blip r:embed="rId2">
+            <a:extLst>
+              <a:ext uri="{28A0092B-C50C-407E-A947-70E740481C1C}">
+                <a14:useLocalDpi xmlns:a14="http://schemas.microsoft.com/office/drawing/2010/main" val="0"/>
+              </a:ext>
+            </a:extLst>
+          </a:blip>
+          <a:srcRect t="3396"/>
+          <a:stretch/>
         </p:blipFill>
         <p:spPr>
           <a:xfrm>
-            <a:off x="8182839" y="2140084"/>
-            <a:ext cx="3874680" cy="4601183"/>
+            <a:off x="192528" y="171716"/>
+            <a:ext cx="3793268" cy="6514565"/>
           </a:xfrm>
           <a:prstGeom prst="rect">
             <a:avLst/>
@@ -4788,30 +5778,68 @@
       </p:pic>
       <p:pic>
         <p:nvPicPr>
-          <p:cNvPr id="4" name="내용 개체 틀 3">
-            <a:extLst>
-              <a:ext uri="{FF2B5EF4-FFF2-40B4-BE49-F238E27FC236}">
-                <a16:creationId xmlns:a16="http://schemas.microsoft.com/office/drawing/2014/main" id="{25248202-CA3D-8615-78A3-5A174D038CBE}"/>
+          <p:cNvPr id="5" name="그림 4" descr="텍스트, 스크린샷이(가) 표시된 사진&#10;&#10;자동 생성된 설명">
+            <a:extLst>
+              <a:ext uri="{FF2B5EF4-FFF2-40B4-BE49-F238E27FC236}">
+                <a16:creationId xmlns:a16="http://schemas.microsoft.com/office/drawing/2014/main" id="{B36F0B8F-C161-7838-8187-85358BF65A3A}"/>
               </a:ext>
             </a:extLst>
           </p:cNvPr>
           <p:cNvPicPr>
-            <a:picLocks noGrp="1" noChangeAspect="1"/>
+            <a:picLocks noChangeAspect="1"/>
           </p:cNvPicPr>
-          <p:nvPr>
-            <p:ph idx="1"/>
-          </p:nvPr>
+          <p:nvPr/>
         </p:nvPicPr>
-        <p:blipFill>
-          <a:blip r:embed="rId3"/>
-          <a:stretch>
-            <a:fillRect/>
-          </a:stretch>
+        <p:blipFill rotWithShape="1">
+          <a:blip r:embed="rId3">
+            <a:extLst>
+              <a:ext uri="{28A0092B-C50C-407E-A947-70E740481C1C}">
+                <a14:useLocalDpi xmlns:a14="http://schemas.microsoft.com/office/drawing/2010/main" val="0"/>
+              </a:ext>
+            </a:extLst>
+          </a:blip>
+          <a:srcRect t="5850" r="-2" b="-2"/>
+          <a:stretch/>
         </p:blipFill>
         <p:spPr>
           <a:xfrm>
-            <a:off x="5790525" y="220933"/>
-            <a:ext cx="3652837" cy="4870450"/>
+            <a:off x="4184538" y="171716"/>
+            <a:ext cx="3822924" cy="6514565"/>
+          </a:xfrm>
+          <a:prstGeom prst="rect">
+            <a:avLst/>
+          </a:prstGeom>
+        </p:spPr>
+      </p:pic>
+      <p:pic>
+        <p:nvPicPr>
+          <p:cNvPr id="7" name="그림 6" descr="텍스트, 스크린샷, 소프트웨어, 운영 체제이(가) 표시된 사진&#10;&#10;자동 생성된 설명">
+            <a:extLst>
+              <a:ext uri="{FF2B5EF4-FFF2-40B4-BE49-F238E27FC236}">
+                <a16:creationId xmlns:a16="http://schemas.microsoft.com/office/drawing/2014/main" id="{DDA18462-734E-CBCF-F856-A519C8987C0B}"/>
+              </a:ext>
+            </a:extLst>
+          </p:cNvPr>
+          <p:cNvPicPr>
+            <a:picLocks noChangeAspect="1"/>
+          </p:cNvPicPr>
+          <p:nvPr/>
+        </p:nvPicPr>
+        <p:blipFill rotWithShape="1">
+          <a:blip r:embed="rId4">
+            <a:extLst>
+              <a:ext uri="{28A0092B-C50C-407E-A947-70E740481C1C}">
+                <a14:useLocalDpi xmlns:a14="http://schemas.microsoft.com/office/drawing/2010/main" val="0"/>
+              </a:ext>
+            </a:extLst>
+          </a:blip>
+          <a:srcRect t="4399" r="1" b="1"/>
+          <a:stretch/>
+        </p:blipFill>
+        <p:spPr>
+          <a:xfrm>
+            <a:off x="8188032" y="171716"/>
+            <a:ext cx="3799007" cy="6514565"/>
           </a:xfrm>
           <a:prstGeom prst="rect">
             <a:avLst/>
@@ -4821,7 +5849,7 @@
     </p:spTree>
     <p:extLst>
       <p:ext uri="{BB962C8B-B14F-4D97-AF65-F5344CB8AC3E}">
-        <p14:creationId xmlns:p14="http://schemas.microsoft.com/office/powerpoint/2010/main" val="3317921258"/>
+        <p14:creationId xmlns:p14="http://schemas.microsoft.com/office/powerpoint/2010/main" val="162571154"/>
       </p:ext>
     </p:extLst>
   </p:cSld>
@@ -4848,219 +5876,164 @@
           <a:chExt cx="0" cy="0"/>
         </a:xfrm>
       </p:grpSpPr>
-      <p:pic>
-        <p:nvPicPr>
-          <p:cNvPr id="7" name="그림 6">
-            <a:extLst>
-              <a:ext uri="{FF2B5EF4-FFF2-40B4-BE49-F238E27FC236}">
-                <a16:creationId xmlns:a16="http://schemas.microsoft.com/office/drawing/2014/main" id="{3F9B8EC3-2EC5-380D-4AEF-53319121C2EF}"/>
-              </a:ext>
-            </a:extLst>
-          </p:cNvPr>
-          <p:cNvPicPr>
-            <a:picLocks noChangeAspect="1"/>
-          </p:cNvPicPr>
-          <p:nvPr/>
-        </p:nvPicPr>
-        <p:blipFill>
-          <a:blip r:embed="rId2"/>
-          <a:stretch>
-            <a:fillRect/>
-          </a:stretch>
-        </p:blipFill>
+      <p:sp>
+        <p:nvSpPr>
+          <p:cNvPr id="2" name="제목 1">
+            <a:extLst>
+              <a:ext uri="{FF2B5EF4-FFF2-40B4-BE49-F238E27FC236}">
+                <a16:creationId xmlns:a16="http://schemas.microsoft.com/office/drawing/2014/main" id="{12331193-B0B3-D123-9842-52DF0B17041C}"/>
+              </a:ext>
+            </a:extLst>
+          </p:cNvPr>
+          <p:cNvSpPr>
+            <a:spLocks noGrp="1"/>
+          </p:cNvSpPr>
+          <p:nvPr>
+            <p:ph type="title"/>
+          </p:nvPr>
+        </p:nvSpPr>
+        <p:spPr/>
+        <p:txBody>
+          <a:bodyPr/>
+          <a:lstStyle/>
+          <a:p>
+            <a:pPr algn="ctr"/>
+            <a:r>
+              <a:rPr lang="en-US" altLang="ko-KR" dirty="0"/>
+              <a:t>RPG</a:t>
+            </a:r>
+            <a:endParaRPr lang="ko-KR" altLang="en-US" dirty="0"/>
+          </a:p>
+        </p:txBody>
+      </p:sp>
+      <p:sp>
+        <p:nvSpPr>
+          <p:cNvPr id="4" name="내용 개체 틀 3">
+            <a:extLst>
+              <a:ext uri="{FF2B5EF4-FFF2-40B4-BE49-F238E27FC236}">
+                <a16:creationId xmlns:a16="http://schemas.microsoft.com/office/drawing/2014/main" id="{7335E76D-E7D4-A18B-9BC0-6FCCBC0F8DB4}"/>
+              </a:ext>
+            </a:extLst>
+          </p:cNvPr>
+          <p:cNvSpPr>
+            <a:spLocks noGrp="1"/>
+          </p:cNvSpPr>
+          <p:nvPr>
+            <p:ph sz="half" idx="2"/>
+          </p:nvPr>
+        </p:nvSpPr>
         <p:spPr>
           <a:xfrm>
-            <a:off x="6684779" y="1104597"/>
-            <a:ext cx="4540940" cy="5392367"/>
+            <a:off x="3771900" y="2467523"/>
+            <a:ext cx="4648200" cy="3322895"/>
+          </a:xfrm>
+        </p:spPr>
+        <p:txBody>
+          <a:bodyPr/>
+          <a:lstStyle/>
+          <a:p>
+            <a:pPr marL="342900" indent="-342900">
+              <a:buFontTx/>
+              <a:buChar char="-"/>
+            </a:pPr>
+            <a:r>
+              <a:rPr lang="ko-KR" altLang="en-US" sz="3200" dirty="0"/>
+              <a:t>캐릭터 성장 쾌감</a:t>
+            </a:r>
+            <a:endParaRPr lang="en-US" altLang="ko-KR" sz="3200" dirty="0"/>
+          </a:p>
+          <a:p>
+            <a:pPr marL="342900" indent="-342900">
+              <a:buFontTx/>
+              <a:buChar char="-"/>
+            </a:pPr>
+            <a:r>
+              <a:rPr lang="ko-KR" altLang="en-US" sz="3200" dirty="0"/>
+              <a:t>확률형 아이템</a:t>
+            </a:r>
+            <a:endParaRPr lang="en-US" altLang="ko-KR" sz="3200" dirty="0"/>
+          </a:p>
+          <a:p>
+            <a:pPr marL="342900" indent="-342900">
+              <a:buFontTx/>
+              <a:buChar char="-"/>
+            </a:pPr>
+            <a:r>
+              <a:rPr lang="ko-KR" altLang="en-US" sz="3200" dirty="0"/>
+              <a:t>수집 요소</a:t>
+            </a:r>
+            <a:endParaRPr lang="en-US" altLang="ko-KR" sz="3200" dirty="0"/>
+          </a:p>
+          <a:p>
+            <a:pPr marL="342900" indent="-342900">
+              <a:buFontTx/>
+              <a:buChar char="-"/>
+            </a:pPr>
+            <a:r>
+              <a:rPr lang="ko-KR" altLang="en-US" sz="3200" dirty="0"/>
+              <a:t>꾸미기</a:t>
+            </a:r>
+            <a:endParaRPr lang="en-US" altLang="ko-KR" sz="3200" dirty="0"/>
+          </a:p>
+        </p:txBody>
+      </p:sp>
+      <p:sp>
+        <p:nvSpPr>
+          <p:cNvPr id="7" name="TextBox 6">
+            <a:extLst>
+              <a:ext uri="{FF2B5EF4-FFF2-40B4-BE49-F238E27FC236}">
+                <a16:creationId xmlns:a16="http://schemas.microsoft.com/office/drawing/2014/main" id="{ABC57AF6-841F-52A1-27D0-420131AFDDB5}"/>
+              </a:ext>
+            </a:extLst>
+          </p:cNvPr>
+          <p:cNvSpPr txBox="1"/>
+          <p:nvPr/>
+        </p:nvSpPr>
+        <p:spPr>
+          <a:xfrm>
+            <a:off x="2643773" y="5790418"/>
+            <a:ext cx="6904455" cy="646331"/>
           </a:xfrm>
           <a:prstGeom prst="rect">
             <a:avLst/>
           </a:prstGeom>
+          <a:noFill/>
         </p:spPr>
-      </p:pic>
-      <p:pic>
-        <p:nvPicPr>
-          <p:cNvPr id="8" name="내용 개체 틀 3">
-            <a:extLst>
-              <a:ext uri="{FF2B5EF4-FFF2-40B4-BE49-F238E27FC236}">
-                <a16:creationId xmlns:a16="http://schemas.microsoft.com/office/drawing/2014/main" id="{0159885B-D463-64E0-23D9-01A7933EDA30}"/>
-              </a:ext>
-            </a:extLst>
-          </p:cNvPr>
-          <p:cNvPicPr>
-            <a:picLocks noChangeAspect="1"/>
-          </p:cNvPicPr>
-          <p:nvPr/>
-        </p:nvPicPr>
-        <p:blipFill>
-          <a:blip r:embed="rId3"/>
-          <a:stretch>
-            <a:fillRect/>
-          </a:stretch>
-        </p:blipFill>
-        <p:spPr>
-          <a:xfrm>
-            <a:off x="1050588" y="952300"/>
-            <a:ext cx="4183107" cy="5577477"/>
-          </a:xfrm>
-          <a:prstGeom prst="rect">
-            <a:avLst/>
-          </a:prstGeom>
-        </p:spPr>
-      </p:pic>
-      <p:sp>
-        <p:nvSpPr>
-          <p:cNvPr id="4" name="내용 개체 틀 3">
-            <a:extLst>
-              <a:ext uri="{FF2B5EF4-FFF2-40B4-BE49-F238E27FC236}">
-                <a16:creationId xmlns:a16="http://schemas.microsoft.com/office/drawing/2014/main" id="{A99EAC2D-EDEE-2182-6983-CC4C2BF9E595}"/>
-              </a:ext>
-            </a:extLst>
-          </p:cNvPr>
-          <p:cNvSpPr>
-            <a:spLocks noGrp="1"/>
-          </p:cNvSpPr>
-          <p:nvPr>
-            <p:ph sz="half" idx="2"/>
-          </p:nvPr>
-        </p:nvSpPr>
-        <p:spPr>
-          <a:xfrm>
-            <a:off x="1413753" y="1974716"/>
-            <a:ext cx="9364494" cy="3930984"/>
-          </a:xfrm>
-          <a:solidFill>
-            <a:srgbClr val="FFFFFF">
-              <a:alpha val="49020"/>
-            </a:srgbClr>
-          </a:solidFill>
-        </p:spPr>
-        <p:txBody>
-          <a:bodyPr/>
-          <a:lstStyle/>
-          <a:p>
-            <a:pPr marL="342900" indent="-342900">
-              <a:buFontTx/>
-              <a:buChar char="-"/>
-            </a:pPr>
-            <a:r>
-              <a:rPr lang="en-US" altLang="ko-KR" sz="2400" dirty="0" err="1">
+        <p:txBody>
+          <a:bodyPr wrap="none" rtlCol="0">
+            <a:spAutoFit/>
+          </a:bodyPr>
+          <a:lstStyle/>
+          <a:p>
+            <a:pPr algn="ctr"/>
+            <a:r>
+              <a:rPr lang="ko-KR" altLang="en-US" sz="3600" b="1" dirty="0">
                 <a:latin typeface="Sandoll 삼립호빵체 TTF Basic" panose="00000500000000000000" pitchFamily="2" charset="-127"/>
                 <a:ea typeface="Sandoll 삼립호빵체 TTF Basic" panose="00000500000000000000" pitchFamily="2" charset="-127"/>
               </a:rPr>
-              <a:t>Isomatric</a:t>
-            </a:r>
-            <a:r>
-              <a:rPr lang="en-US" altLang="ko-KR" sz="2400" dirty="0">
+              <a:t>주의 환기가 필요한 </a:t>
+            </a:r>
+            <a:r>
+              <a:rPr lang="en-US" altLang="ko-KR" sz="3600" b="1" dirty="0">
                 <a:latin typeface="Sandoll 삼립호빵체 TTF Basic" panose="00000500000000000000" pitchFamily="2" charset="-127"/>
                 <a:ea typeface="Sandoll 삼립호빵체 TTF Basic" panose="00000500000000000000" pitchFamily="2" charset="-127"/>
               </a:rPr>
-              <a:t> </a:t>
-            </a:r>
-            <a:r>
-              <a:rPr lang="ko-KR" altLang="en-US" sz="2400" dirty="0">
+              <a:t>2-30</a:t>
+            </a:r>
+            <a:r>
+              <a:rPr lang="ko-KR" altLang="en-US" sz="3600" b="1" dirty="0">
                 <a:latin typeface="Sandoll 삼립호빵체 TTF Basic" panose="00000500000000000000" pitchFamily="2" charset="-127"/>
                 <a:ea typeface="Sandoll 삼립호빵체 TTF Basic" panose="00000500000000000000" pitchFamily="2" charset="-127"/>
               </a:rPr>
-              <a:t>착시를 이용한 퍼즐게임</a:t>
-            </a:r>
-            <a:endParaRPr lang="en-US" altLang="ko-KR" sz="2400" dirty="0">
-              <a:latin typeface="Sandoll 삼립호빵체 TTF Basic" panose="00000500000000000000" pitchFamily="2" charset="-127"/>
-              <a:ea typeface="Sandoll 삼립호빵체 TTF Basic" panose="00000500000000000000" pitchFamily="2" charset="-127"/>
-            </a:endParaRPr>
-          </a:p>
-          <a:p>
-            <a:pPr marL="342900" indent="-342900">
-              <a:buFontTx/>
-              <a:buChar char="-"/>
-            </a:pPr>
-            <a:r>
-              <a:rPr lang="ko-KR" altLang="en-US" sz="2400" dirty="0">
-                <a:latin typeface="Sandoll 삼립호빵체 TTF Basic" panose="00000500000000000000" pitchFamily="2" charset="-127"/>
-                <a:ea typeface="Sandoll 삼립호빵체 TTF Basic" panose="00000500000000000000" pitchFamily="2" charset="-127"/>
-              </a:rPr>
-              <a:t>포인트 앤 클릭 조작</a:t>
-            </a:r>
-            <a:endParaRPr lang="en-US" altLang="ko-KR" sz="2400" dirty="0">
-              <a:latin typeface="Sandoll 삼립호빵체 TTF Basic" panose="00000500000000000000" pitchFamily="2" charset="-127"/>
-              <a:ea typeface="Sandoll 삼립호빵체 TTF Basic" panose="00000500000000000000" pitchFamily="2" charset="-127"/>
-            </a:endParaRPr>
-          </a:p>
-          <a:p>
-            <a:pPr marL="342900" indent="-342900">
-              <a:buFontTx/>
-              <a:buChar char="-"/>
-            </a:pPr>
-            <a:r>
-              <a:rPr lang="ko-KR" altLang="en-US" sz="2400" dirty="0">
-                <a:latin typeface="Sandoll 삼립호빵체 TTF Basic" panose="00000500000000000000" pitchFamily="2" charset="-127"/>
-                <a:ea typeface="Sandoll 삼립호빵체 TTF Basic" panose="00000500000000000000" pitchFamily="2" charset="-127"/>
-              </a:rPr>
-              <a:t>플레이어의 터치로</a:t>
-            </a:r>
-            <a:r>
-              <a:rPr lang="en-US" altLang="ko-KR" sz="2400" dirty="0">
-                <a:latin typeface="Sandoll 삼립호빵체 TTF Basic" panose="00000500000000000000" pitchFamily="2" charset="-127"/>
-                <a:ea typeface="Sandoll 삼립호빵체 TTF Basic" panose="00000500000000000000" pitchFamily="2" charset="-127"/>
-              </a:rPr>
-              <a:t>, </a:t>
-            </a:r>
-            <a:r>
-              <a:rPr lang="ko-KR" altLang="en-US" sz="2400" dirty="0">
-                <a:latin typeface="Sandoll 삼립호빵체 TTF Basic" panose="00000500000000000000" pitchFamily="2" charset="-127"/>
-                <a:ea typeface="Sandoll 삼립호빵체 TTF Basic" panose="00000500000000000000" pitchFamily="2" charset="-127"/>
-              </a:rPr>
-              <a:t>스테이지 내 요소의 이동과 회전 등</a:t>
-            </a:r>
-            <a:r>
-              <a:rPr lang="en-US" altLang="ko-KR" sz="2400" dirty="0">
-                <a:latin typeface="Sandoll 삼립호빵체 TTF Basic" panose="00000500000000000000" pitchFamily="2" charset="-127"/>
-                <a:ea typeface="Sandoll 삼립호빵체 TTF Basic" panose="00000500000000000000" pitchFamily="2" charset="-127"/>
-              </a:rPr>
-              <a:t>, </a:t>
-            </a:r>
-            <a:r>
-              <a:rPr lang="ko-KR" altLang="en-US" sz="2400" dirty="0">
-                <a:latin typeface="Sandoll 삼립호빵체 TTF Basic" panose="00000500000000000000" pitchFamily="2" charset="-127"/>
-                <a:ea typeface="Sandoll 삼립호빵체 TTF Basic" panose="00000500000000000000" pitchFamily="2" charset="-127"/>
-              </a:rPr>
-              <a:t>변화가 나타남</a:t>
-            </a:r>
-            <a:endParaRPr lang="en-US" altLang="ko-KR" sz="2400" dirty="0">
-              <a:latin typeface="Sandoll 삼립호빵체 TTF Basic" panose="00000500000000000000" pitchFamily="2" charset="-127"/>
-              <a:ea typeface="Sandoll 삼립호빵체 TTF Basic" panose="00000500000000000000" pitchFamily="2" charset="-127"/>
-            </a:endParaRPr>
-          </a:p>
-          <a:p>
-            <a:pPr marL="342900" indent="-342900">
-              <a:buFontTx/>
-              <a:buChar char="-"/>
-            </a:pPr>
-            <a:r>
-              <a:rPr lang="ko-KR" altLang="en-US" sz="2400" dirty="0">
-                <a:latin typeface="Sandoll 삼립호빵체 TTF Basic" panose="00000500000000000000" pitchFamily="2" charset="-127"/>
-                <a:ea typeface="Sandoll 삼립호빵체 TTF Basic" panose="00000500000000000000" pitchFamily="2" charset="-127"/>
-              </a:rPr>
-              <a:t>주인공은 이  변화를 이용하여 골에 도달해야 함</a:t>
-            </a:r>
-            <a:r>
-              <a:rPr lang="en-US" altLang="ko-KR" sz="2400" dirty="0">
-                <a:latin typeface="Sandoll 삼립호빵체 TTF Basic" panose="00000500000000000000" pitchFamily="2" charset="-127"/>
-                <a:ea typeface="Sandoll 삼립호빵체 TTF Basic" panose="00000500000000000000" pitchFamily="2" charset="-127"/>
-              </a:rPr>
-              <a:t>.</a:t>
-            </a:r>
-            <a:endParaRPr lang="ko-KR" altLang="en-US" sz="2400" dirty="0">
-              <a:latin typeface="Sandoll 삼립호빵체 TTF Basic" panose="00000500000000000000" pitchFamily="2" charset="-127"/>
-              <a:ea typeface="Sandoll 삼립호빵체 TTF Basic" panose="00000500000000000000" pitchFamily="2" charset="-127"/>
-            </a:endParaRPr>
+              <a:t>대 타깃</a:t>
+            </a:r>
           </a:p>
         </p:txBody>
       </p:sp>
     </p:spTree>
     <p:extLst>
       <p:ext uri="{BB962C8B-B14F-4D97-AF65-F5344CB8AC3E}">
-        <p14:creationId xmlns:p14="http://schemas.microsoft.com/office/powerpoint/2010/main" val="4260821825"/>
+        <p14:creationId xmlns:p14="http://schemas.microsoft.com/office/powerpoint/2010/main" val="2919604220"/>
       </p:ext>
     </p:extLst>
   </p:cSld>
@@ -5092,7 +6065,7 @@
           <p:cNvPr id="2" name="제목 1">
             <a:extLst>
               <a:ext uri="{FF2B5EF4-FFF2-40B4-BE49-F238E27FC236}">
-                <a16:creationId xmlns:a16="http://schemas.microsoft.com/office/drawing/2014/main" id="{A6DB8075-D1FB-22C1-C191-2DA524033404}"/>
+                <a16:creationId xmlns:a16="http://schemas.microsoft.com/office/drawing/2014/main" id="{12331193-B0B3-D123-9842-52DF0B17041C}"/>
               </a:ext>
             </a:extLst>
           </p:cNvPr>
@@ -5108,139 +6081,154 @@
           <a:bodyPr/>
           <a:lstStyle/>
           <a:p>
+            <a:pPr algn="ctr"/>
             <a:r>
               <a:rPr lang="ko-KR" altLang="en-US" dirty="0"/>
-              <a:t>동일장르 </a:t>
-            </a:r>
-            <a:br>
-              <a:rPr lang="en-US" altLang="ko-KR" dirty="0"/>
-            </a:br>
-            <a:r>
-              <a:rPr lang="ko-KR" altLang="en-US" dirty="0"/>
-              <a:t>게임 비교</a:t>
-            </a:r>
-            <a:br>
-              <a:rPr lang="en-US" altLang="ko-KR" dirty="0"/>
-            </a:br>
-            <a:r>
-              <a:rPr lang="en-US" altLang="ko-KR" sz="3600" dirty="0"/>
-              <a:t>2. hocus.</a:t>
-            </a:r>
-            <a:endParaRPr lang="ko-KR" altLang="en-US" dirty="0"/>
-          </a:p>
-        </p:txBody>
-      </p:sp>
-      <p:pic>
-        <p:nvPicPr>
-          <p:cNvPr id="8" name="내용 개체 틀 7" descr="스크린샷, 스케치, 디자인이(가) 표시된 사진&#10;&#10;자동 생성된 설명">
-            <a:extLst>
-              <a:ext uri="{FF2B5EF4-FFF2-40B4-BE49-F238E27FC236}">
-                <a16:creationId xmlns:a16="http://schemas.microsoft.com/office/drawing/2014/main" id="{9008EC1B-6446-5B61-3070-75569963F2A7}"/>
-              </a:ext>
-            </a:extLst>
-          </p:cNvPr>
-          <p:cNvPicPr>
-            <a:picLocks noGrp="1" noChangeAspect="1"/>
-          </p:cNvPicPr>
-          <p:nvPr>
-            <p:ph idx="1"/>
-          </p:nvPr>
-        </p:nvPicPr>
-        <p:blipFill>
-          <a:blip r:embed="rId2">
-            <a:extLst>
-              <a:ext uri="{28A0092B-C50C-407E-A947-70E740481C1C}">
-                <a14:useLocalDpi xmlns:a14="http://schemas.microsoft.com/office/drawing/2010/main" val="0"/>
-              </a:ext>
-            </a:extLst>
-          </a:blip>
-          <a:stretch>
-            <a:fillRect/>
-          </a:stretch>
-        </p:blipFill>
+              <a:t>퍼즐 게임</a:t>
+            </a:r>
+          </a:p>
+        </p:txBody>
+      </p:sp>
+      <p:sp>
+        <p:nvSpPr>
+          <p:cNvPr id="4" name="내용 개체 틀 3">
+            <a:extLst>
+              <a:ext uri="{FF2B5EF4-FFF2-40B4-BE49-F238E27FC236}">
+                <a16:creationId xmlns:a16="http://schemas.microsoft.com/office/drawing/2014/main" id="{7335E76D-E7D4-A18B-9BC0-6FCCBC0F8DB4}"/>
+              </a:ext>
+            </a:extLst>
+          </p:cNvPr>
+          <p:cNvSpPr>
+            <a:spLocks noGrp="1"/>
+          </p:cNvSpPr>
+          <p:nvPr>
+            <p:ph sz="half" idx="2"/>
+          </p:nvPr>
+        </p:nvSpPr>
         <p:spPr>
           <a:xfrm>
-            <a:off x="5602403" y="194553"/>
-            <a:ext cx="2270540" cy="4870450"/>
+            <a:off x="2201694" y="2467523"/>
+            <a:ext cx="7788612" cy="3322895"/>
           </a:xfrm>
         </p:spPr>
-      </p:pic>
-      <p:pic>
-        <p:nvPicPr>
-          <p:cNvPr id="10" name="그림 9" descr="스크린샷, 디자인이(가) 표시된 사진&#10;&#10;자동 생성된 설명">
-            <a:extLst>
-              <a:ext uri="{FF2B5EF4-FFF2-40B4-BE49-F238E27FC236}">
-                <a16:creationId xmlns:a16="http://schemas.microsoft.com/office/drawing/2014/main" id="{681E0E81-B07A-376A-B082-041C107B94A0}"/>
-              </a:ext>
-            </a:extLst>
-          </p:cNvPr>
-          <p:cNvPicPr>
-            <a:picLocks noChangeAspect="1"/>
-          </p:cNvPicPr>
+        <p:txBody>
+          <a:bodyPr/>
+          <a:lstStyle/>
+          <a:p>
+            <a:pPr marL="342900" indent="-342900">
+              <a:buFontTx/>
+              <a:buChar char="-"/>
+            </a:pPr>
+            <a:r>
+              <a:rPr lang="ko-KR" altLang="en-US" sz="3200" dirty="0"/>
+              <a:t>간단한 조작</a:t>
+            </a:r>
+            <a:endParaRPr lang="en-US" altLang="ko-KR" sz="3200" dirty="0"/>
+          </a:p>
+          <a:p>
+            <a:pPr marL="342900" indent="-342900">
+              <a:buFontTx/>
+              <a:buChar char="-"/>
+            </a:pPr>
+            <a:r>
+              <a:rPr lang="ko-KR" altLang="en-US" sz="3200" dirty="0"/>
+              <a:t>스테이지별 짧은 플레이 시간</a:t>
+            </a:r>
+            <a:endParaRPr lang="en-US" altLang="ko-KR" sz="3200" dirty="0"/>
+          </a:p>
+          <a:p>
+            <a:pPr marL="342900" indent="-342900">
+              <a:buFontTx/>
+              <a:buChar char="-"/>
+            </a:pPr>
+            <a:r>
+              <a:rPr lang="ko-KR" altLang="en-US" sz="3200" dirty="0"/>
+              <a:t>이해하기 쉬운 로직의 반복과 확장</a:t>
+            </a:r>
+            <a:endParaRPr lang="en-US" altLang="ko-KR" sz="3200" dirty="0"/>
+          </a:p>
+          <a:p>
+            <a:pPr marL="342900" indent="-342900">
+              <a:buFontTx/>
+              <a:buChar char="-"/>
+            </a:pPr>
+            <a:r>
+              <a:rPr lang="en-US" altLang="ko-KR" sz="3200" dirty="0"/>
+              <a:t>=&gt; </a:t>
+            </a:r>
+            <a:r>
+              <a:rPr lang="ko-KR" altLang="en-US" sz="3200" dirty="0"/>
+              <a:t>두뇌 </a:t>
+            </a:r>
+            <a:r>
+              <a:rPr lang="en-US" altLang="ko-KR" sz="3200" dirty="0"/>
+              <a:t>Ice breaking</a:t>
+            </a:r>
+            <a:r>
+              <a:rPr lang="ko-KR" altLang="en-US" sz="3200" dirty="0"/>
+              <a:t>에 도움을 줌</a:t>
+            </a:r>
+            <a:endParaRPr lang="en-US" altLang="ko-KR" sz="3200" dirty="0"/>
+          </a:p>
+        </p:txBody>
+      </p:sp>
+      <p:sp>
+        <p:nvSpPr>
+          <p:cNvPr id="7" name="TextBox 6">
+            <a:extLst>
+              <a:ext uri="{FF2B5EF4-FFF2-40B4-BE49-F238E27FC236}">
+                <a16:creationId xmlns:a16="http://schemas.microsoft.com/office/drawing/2014/main" id="{ABC57AF6-841F-52A1-27D0-420131AFDDB5}"/>
+              </a:ext>
+            </a:extLst>
+          </p:cNvPr>
+          <p:cNvSpPr txBox="1"/>
           <p:nvPr/>
-        </p:nvPicPr>
-        <p:blipFill>
-          <a:blip r:embed="rId3">
-            <a:extLst>
-              <a:ext uri="{28A0092B-C50C-407E-A947-70E740481C1C}">
-                <a14:useLocalDpi xmlns:a14="http://schemas.microsoft.com/office/drawing/2010/main" val="0"/>
-              </a:ext>
-            </a:extLst>
-          </a:blip>
-          <a:stretch>
-            <a:fillRect/>
-          </a:stretch>
-        </p:blipFill>
+        </p:nvSpPr>
         <p:spPr>
           <a:xfrm>
-            <a:off x="7341234" y="978408"/>
-            <a:ext cx="2572600" cy="5518386"/>
+            <a:off x="2643773" y="5790418"/>
+            <a:ext cx="6904455" cy="646331"/>
           </a:xfrm>
           <a:prstGeom prst="rect">
             <a:avLst/>
           </a:prstGeom>
+          <a:noFill/>
         </p:spPr>
-      </p:pic>
-      <p:pic>
-        <p:nvPicPr>
-          <p:cNvPr id="12" name="그림 11" descr="스케치, 그림, 도표, 예술이(가) 표시된 사진&#10;&#10;자동 생성된 설명">
-            <a:extLst>
-              <a:ext uri="{FF2B5EF4-FFF2-40B4-BE49-F238E27FC236}">
-                <a16:creationId xmlns:a16="http://schemas.microsoft.com/office/drawing/2014/main" id="{9A1DA93B-3498-69DD-8DE3-A43A183F6BE4}"/>
-              </a:ext>
-            </a:extLst>
-          </p:cNvPr>
-          <p:cNvPicPr>
-            <a:picLocks noChangeAspect="1"/>
-          </p:cNvPicPr>
-          <p:nvPr/>
-        </p:nvPicPr>
-        <p:blipFill>
-          <a:blip r:embed="rId4">
-            <a:extLst>
-              <a:ext uri="{28A0092B-C50C-407E-A947-70E740481C1C}">
-                <a14:useLocalDpi xmlns:a14="http://schemas.microsoft.com/office/drawing/2010/main" val="0"/>
-              </a:ext>
-            </a:extLst>
-          </a:blip>
-          <a:stretch>
-            <a:fillRect/>
-          </a:stretch>
-        </p:blipFill>
-        <p:spPr>
-          <a:xfrm>
-            <a:off x="9451389" y="480741"/>
-            <a:ext cx="2516875" cy="5398851"/>
-          </a:xfrm>
-          <a:prstGeom prst="rect">
-            <a:avLst/>
-          </a:prstGeom>
-        </p:spPr>
-      </p:pic>
+        <p:txBody>
+          <a:bodyPr wrap="none" rtlCol="0">
+            <a:spAutoFit/>
+          </a:bodyPr>
+          <a:lstStyle/>
+          <a:p>
+            <a:pPr algn="ctr"/>
+            <a:r>
+              <a:rPr lang="ko-KR" altLang="en-US" sz="3600" b="1" dirty="0">
+                <a:latin typeface="Sandoll 삼립호빵체 TTF Basic" panose="00000500000000000000" pitchFamily="2" charset="-127"/>
+                <a:ea typeface="Sandoll 삼립호빵체 TTF Basic" panose="00000500000000000000" pitchFamily="2" charset="-127"/>
+              </a:rPr>
+              <a:t>주의 환기가 필요한 </a:t>
+            </a:r>
+            <a:r>
+              <a:rPr lang="en-US" altLang="ko-KR" sz="3600" b="1" dirty="0">
+                <a:latin typeface="Sandoll 삼립호빵체 TTF Basic" panose="00000500000000000000" pitchFamily="2" charset="-127"/>
+                <a:ea typeface="Sandoll 삼립호빵체 TTF Basic" panose="00000500000000000000" pitchFamily="2" charset="-127"/>
+              </a:rPr>
+              <a:t>2-30</a:t>
+            </a:r>
+            <a:r>
+              <a:rPr lang="ko-KR" altLang="en-US" sz="3600" b="1" dirty="0">
+                <a:latin typeface="Sandoll 삼립호빵체 TTF Basic" panose="00000500000000000000" pitchFamily="2" charset="-127"/>
+                <a:ea typeface="Sandoll 삼립호빵체 TTF Basic" panose="00000500000000000000" pitchFamily="2" charset="-127"/>
+              </a:rPr>
+              <a:t>대 타깃</a:t>
+            </a:r>
+          </a:p>
+        </p:txBody>
+      </p:sp>
     </p:spTree>
     <p:extLst>
       <p:ext uri="{BB962C8B-B14F-4D97-AF65-F5344CB8AC3E}">
-        <p14:creationId xmlns:p14="http://schemas.microsoft.com/office/powerpoint/2010/main" val="720631840"/>
+        <p14:creationId xmlns:p14="http://schemas.microsoft.com/office/powerpoint/2010/main" val="258853381"/>
       </p:ext>
     </p:extLst>
   </p:cSld>
@@ -5267,12 +6255,218 @@
           <a:chExt cx="0" cy="0"/>
         </a:xfrm>
       </p:grpSpPr>
+      <p:sp>
+        <p:nvSpPr>
+          <p:cNvPr id="2" name="제목 1">
+            <a:extLst>
+              <a:ext uri="{FF2B5EF4-FFF2-40B4-BE49-F238E27FC236}">
+                <a16:creationId xmlns:a16="http://schemas.microsoft.com/office/drawing/2014/main" id="{12331193-B0B3-D123-9842-52DF0B17041C}"/>
+              </a:ext>
+            </a:extLst>
+          </p:cNvPr>
+          <p:cNvSpPr>
+            <a:spLocks noGrp="1"/>
+          </p:cNvSpPr>
+          <p:nvPr>
+            <p:ph type="title"/>
+          </p:nvPr>
+        </p:nvSpPr>
+        <p:spPr/>
+        <p:txBody>
+          <a:bodyPr/>
+          <a:lstStyle/>
+          <a:p>
+            <a:pPr algn="ctr"/>
+            <a:r>
+              <a:rPr lang="ko-KR" altLang="en-US" dirty="0"/>
+              <a:t>무엇을 만들고 싶은가</a:t>
+            </a:r>
+          </a:p>
+        </p:txBody>
+      </p:sp>
+      <p:sp>
+        <p:nvSpPr>
+          <p:cNvPr id="4" name="내용 개체 틀 3">
+            <a:extLst>
+              <a:ext uri="{FF2B5EF4-FFF2-40B4-BE49-F238E27FC236}">
+                <a16:creationId xmlns:a16="http://schemas.microsoft.com/office/drawing/2014/main" id="{7335E76D-E7D4-A18B-9BC0-6FCCBC0F8DB4}"/>
+              </a:ext>
+            </a:extLst>
+          </p:cNvPr>
+          <p:cNvSpPr>
+            <a:spLocks noGrp="1"/>
+          </p:cNvSpPr>
+          <p:nvPr>
+            <p:ph sz="half" idx="2"/>
+          </p:nvPr>
+        </p:nvSpPr>
+        <p:spPr>
+          <a:xfrm>
+            <a:off x="1057275" y="2200276"/>
+            <a:ext cx="10077450" cy="3679606"/>
+          </a:xfrm>
+        </p:spPr>
+        <p:txBody>
+          <a:bodyPr/>
+          <a:lstStyle/>
+          <a:p>
+            <a:pPr marL="342900" indent="-342900">
+              <a:buFontTx/>
+              <a:buChar char="-"/>
+            </a:pPr>
+            <a:r>
+              <a:rPr lang="ko-KR" altLang="en-US" sz="2800" dirty="0"/>
+              <a:t>간단한 조작과 함께 가볍게 즐길 수 있는 스토리를 보여주고 싶다</a:t>
+            </a:r>
+            <a:r>
+              <a:rPr lang="en-US" altLang="ko-KR" sz="2800" dirty="0"/>
+              <a:t>.</a:t>
+            </a:r>
+          </a:p>
+          <a:p>
+            <a:pPr marL="342900" indent="-342900">
+              <a:buFontTx/>
+              <a:buChar char="-"/>
+            </a:pPr>
+            <a:endParaRPr lang="en-US" altLang="ko-KR" sz="2800" dirty="0"/>
+          </a:p>
+          <a:p>
+            <a:pPr marL="342900" indent="-342900">
+              <a:buFontTx/>
+              <a:buChar char="-"/>
+            </a:pPr>
+            <a:r>
+              <a:rPr lang="ko-KR" altLang="en-US" sz="2800" dirty="0"/>
+              <a:t>심플하면서 아름다운 시각 경험</a:t>
+            </a:r>
+            <a:endParaRPr lang="en-US" altLang="ko-KR" sz="2800" dirty="0"/>
+          </a:p>
+          <a:p>
+            <a:pPr marL="342900" indent="-342900">
+              <a:buFontTx/>
+              <a:buChar char="-"/>
+            </a:pPr>
+            <a:r>
+              <a:rPr lang="ko-KR" altLang="en-US" sz="2800" dirty="0"/>
+              <a:t>필요한 </a:t>
+            </a:r>
+            <a:r>
+              <a:rPr lang="ko-KR" altLang="en-US" sz="2800" dirty="0" err="1"/>
+              <a:t>에셋은</a:t>
+            </a:r>
+            <a:r>
+              <a:rPr lang="ko-KR" altLang="en-US" sz="2800" dirty="0"/>
+              <a:t> 직접 만들어내고 싶다</a:t>
+            </a:r>
+            <a:r>
+              <a:rPr lang="en-US" altLang="ko-KR" sz="2800" dirty="0"/>
+              <a:t>.</a:t>
+            </a:r>
+          </a:p>
+          <a:p>
+            <a:pPr marL="342900" indent="-342900">
+              <a:buFontTx/>
+              <a:buChar char="-"/>
+            </a:pPr>
+            <a:r>
+              <a:rPr lang="en-US" altLang="ko-KR" sz="2800" dirty="0"/>
+              <a:t>=&gt; Voxel </a:t>
+            </a:r>
+            <a:r>
+              <a:rPr lang="ko-KR" altLang="en-US" sz="2800" dirty="0"/>
+              <a:t>그래픽을 이용한 </a:t>
+            </a:r>
+            <a:r>
+              <a:rPr lang="en-US" altLang="ko-KR" sz="2800" dirty="0"/>
+              <a:t>isometric </a:t>
+            </a:r>
+            <a:r>
+              <a:rPr lang="ko-KR" altLang="en-US" sz="2800" dirty="0"/>
+              <a:t>게임</a:t>
+            </a:r>
+            <a:endParaRPr lang="en-US" altLang="ko-KR" sz="2800" dirty="0"/>
+          </a:p>
+        </p:txBody>
+      </p:sp>
+    </p:spTree>
+    <p:extLst>
+      <p:ext uri="{BB962C8B-B14F-4D97-AF65-F5344CB8AC3E}">
+        <p14:creationId xmlns:p14="http://schemas.microsoft.com/office/powerpoint/2010/main" val="707106298"/>
+      </p:ext>
+    </p:extLst>
+  </p:cSld>
+  <p:clrMapOvr>
+    <a:masterClrMapping/>
+  </p:clrMapOvr>
+</p:sld>
+</file>
+
+<file path=ppt/slides/slide9.xml><?xml version="1.0" encoding="utf-8"?>
+<p:sld xmlns:a="http://schemas.openxmlformats.org/drawingml/2006/main" xmlns:r="http://schemas.openxmlformats.org/officeDocument/2006/relationships" xmlns:p="http://schemas.openxmlformats.org/presentationml/2006/main">
+  <p:cSld>
+    <p:spTree>
+      <p:nvGrpSpPr>
+        <p:cNvPr id="1" name=""/>
+        <p:cNvGrpSpPr/>
+        <p:nvPr/>
+      </p:nvGrpSpPr>
+      <p:grpSpPr>
+        <a:xfrm>
+          <a:off x="0" y="0"/>
+          <a:ext cx="0" cy="0"/>
+          <a:chOff x="0" y="0"/>
+          <a:chExt cx="0" cy="0"/>
+        </a:xfrm>
+      </p:grpSpPr>
+      <p:sp>
+        <p:nvSpPr>
+          <p:cNvPr id="2" name="제목 1">
+            <a:extLst>
+              <a:ext uri="{FF2B5EF4-FFF2-40B4-BE49-F238E27FC236}">
+                <a16:creationId xmlns:a16="http://schemas.microsoft.com/office/drawing/2014/main" id="{A6DB8075-D1FB-22C1-C191-2DA524033404}"/>
+              </a:ext>
+            </a:extLst>
+          </p:cNvPr>
+          <p:cNvSpPr>
+            <a:spLocks noGrp="1"/>
+          </p:cNvSpPr>
+          <p:nvPr>
+            <p:ph type="title"/>
+          </p:nvPr>
+        </p:nvSpPr>
+        <p:spPr/>
+        <p:txBody>
+          <a:bodyPr/>
+          <a:lstStyle/>
+          <a:p>
+            <a:r>
+              <a:rPr lang="ko-KR" altLang="en-US" dirty="0"/>
+              <a:t>동일장르 </a:t>
+            </a:r>
+            <a:br>
+              <a:rPr lang="en-US" altLang="ko-KR" dirty="0"/>
+            </a:br>
+            <a:r>
+              <a:rPr lang="ko-KR" altLang="en-US" dirty="0"/>
+              <a:t>게임 비교</a:t>
+            </a:r>
+            <a:br>
+              <a:rPr lang="en-US" altLang="ko-KR" dirty="0"/>
+            </a:br>
+            <a:r>
+              <a:rPr lang="en-US" altLang="ko-KR" sz="3600" dirty="0"/>
+              <a:t>1. Monument Valley</a:t>
+            </a:r>
+            <a:endParaRPr lang="ko-KR" altLang="en-US" dirty="0"/>
+          </a:p>
+        </p:txBody>
+      </p:sp>
       <p:pic>
         <p:nvPicPr>
-          <p:cNvPr id="2" name="내용 개체 틀 7" descr="스크린샷, 스케치, 디자인이(가) 표시된 사진&#10;&#10;자동 생성된 설명">
-            <a:extLst>
-              <a:ext uri="{FF2B5EF4-FFF2-40B4-BE49-F238E27FC236}">
-                <a16:creationId xmlns:a16="http://schemas.microsoft.com/office/drawing/2014/main" id="{B8744C9E-2E8A-7081-904A-247E59EB0C64}"/>
+          <p:cNvPr id="5" name="그림 4">
+            <a:extLst>
+              <a:ext uri="{FF2B5EF4-FFF2-40B4-BE49-F238E27FC236}">
+                <a16:creationId xmlns:a16="http://schemas.microsoft.com/office/drawing/2014/main" id="{ACEB678F-0763-876C-82D6-2DCF488C4BA2}"/>
               </a:ext>
             </a:extLst>
           </p:cNvPr>
@@ -5282,21 +6476,15 @@
           <p:nvPr/>
         </p:nvPicPr>
         <p:blipFill>
-          <a:blip r:embed="rId2">
-            <a:extLst>
-              <a:ext uri="{28A0092B-C50C-407E-A947-70E740481C1C}">
-                <a14:useLocalDpi xmlns:a14="http://schemas.microsoft.com/office/drawing/2010/main" val="0"/>
-              </a:ext>
-            </a:extLst>
-          </a:blip>
+          <a:blip r:embed="rId2"/>
           <a:stretch>
             <a:fillRect/>
           </a:stretch>
         </p:blipFill>
         <p:spPr>
           <a:xfrm>
-            <a:off x="993137" y="1339614"/>
-            <a:ext cx="2270540" cy="4870450"/>
+            <a:off x="8182839" y="2140084"/>
+            <a:ext cx="3874680" cy="4601183"/>
           </a:xfrm>
           <a:prstGeom prst="rect">
             <a:avLst/>
@@ -5305,286 +6493,40 @@
       </p:pic>
       <p:pic>
         <p:nvPicPr>
-          <p:cNvPr id="3" name="그림 2" descr="스크린샷, 디자인이(가) 표시된 사진&#10;&#10;자동 생성된 설명">
-            <a:extLst>
-              <a:ext uri="{FF2B5EF4-FFF2-40B4-BE49-F238E27FC236}">
-                <a16:creationId xmlns:a16="http://schemas.microsoft.com/office/drawing/2014/main" id="{89D7B5A1-68BC-244C-C278-B4490EBD743E}"/>
+          <p:cNvPr id="4" name="내용 개체 틀 3">
+            <a:extLst>
+              <a:ext uri="{FF2B5EF4-FFF2-40B4-BE49-F238E27FC236}">
+                <a16:creationId xmlns:a16="http://schemas.microsoft.com/office/drawing/2014/main" id="{25248202-CA3D-8615-78A3-5A174D038CBE}"/>
               </a:ext>
             </a:extLst>
           </p:cNvPr>
           <p:cNvPicPr>
-            <a:picLocks noChangeAspect="1"/>
+            <a:picLocks noGrp="1" noChangeAspect="1"/>
           </p:cNvPicPr>
-          <p:nvPr/>
+          <p:nvPr>
+            <p:ph idx="1"/>
+          </p:nvPr>
         </p:nvPicPr>
         <p:blipFill>
-          <a:blip r:embed="rId3">
-            <a:extLst>
-              <a:ext uri="{28A0092B-C50C-407E-A947-70E740481C1C}">
-                <a14:useLocalDpi xmlns:a14="http://schemas.microsoft.com/office/drawing/2010/main" val="0"/>
-              </a:ext>
-            </a:extLst>
-          </a:blip>
+          <a:blip r:embed="rId3"/>
           <a:stretch>
             <a:fillRect/>
           </a:stretch>
         </p:blipFill>
         <p:spPr>
           <a:xfrm>
-            <a:off x="4839352" y="1339614"/>
-            <a:ext cx="2270540" cy="4870450"/>
+            <a:off x="5790525" y="220933"/>
+            <a:ext cx="3652837" cy="4870450"/>
           </a:xfrm>
           <a:prstGeom prst="rect">
             <a:avLst/>
           </a:prstGeom>
         </p:spPr>
       </p:pic>
-      <p:pic>
-        <p:nvPicPr>
-          <p:cNvPr id="5" name="그림 4" descr="스케치, 그림, 도표, 예술이(가) 표시된 사진&#10;&#10;자동 생성된 설명">
-            <a:extLst>
-              <a:ext uri="{FF2B5EF4-FFF2-40B4-BE49-F238E27FC236}">
-                <a16:creationId xmlns:a16="http://schemas.microsoft.com/office/drawing/2014/main" id="{4CAE2BFA-E478-B6E9-3754-35A273A8A5F2}"/>
-              </a:ext>
-            </a:extLst>
-          </p:cNvPr>
-          <p:cNvPicPr>
-            <a:picLocks noChangeAspect="1"/>
-          </p:cNvPicPr>
-          <p:nvPr/>
-        </p:nvPicPr>
-        <p:blipFill>
-          <a:blip r:embed="rId4">
-            <a:extLst>
-              <a:ext uri="{28A0092B-C50C-407E-A947-70E740481C1C}">
-                <a14:useLocalDpi xmlns:a14="http://schemas.microsoft.com/office/drawing/2010/main" val="0"/>
-              </a:ext>
-            </a:extLst>
-          </a:blip>
-          <a:stretch>
-            <a:fillRect/>
-          </a:stretch>
-        </p:blipFill>
-        <p:spPr>
-          <a:xfrm>
-            <a:off x="8685568" y="1339614"/>
-            <a:ext cx="2270541" cy="4870450"/>
-          </a:xfrm>
-          <a:prstGeom prst="rect">
-            <a:avLst/>
-          </a:prstGeom>
-        </p:spPr>
-      </p:pic>
-      <p:sp>
-        <p:nvSpPr>
-          <p:cNvPr id="4" name="내용 개체 틀 3">
-            <a:extLst>
-              <a:ext uri="{FF2B5EF4-FFF2-40B4-BE49-F238E27FC236}">
-                <a16:creationId xmlns:a16="http://schemas.microsoft.com/office/drawing/2014/main" id="{A99EAC2D-EDEE-2182-6983-CC4C2BF9E595}"/>
-              </a:ext>
-            </a:extLst>
-          </p:cNvPr>
-          <p:cNvSpPr>
-            <a:spLocks noGrp="1"/>
-          </p:cNvSpPr>
-          <p:nvPr>
-            <p:ph sz="half" idx="2"/>
-          </p:nvPr>
-        </p:nvSpPr>
-        <p:spPr>
-          <a:xfrm>
-            <a:off x="1413753" y="1974716"/>
-            <a:ext cx="9364494" cy="3930984"/>
-          </a:xfrm>
-          <a:solidFill>
-            <a:srgbClr val="FFFFFF">
-              <a:alpha val="49020"/>
-            </a:srgbClr>
-          </a:solidFill>
-        </p:spPr>
-        <p:txBody>
-          <a:bodyPr/>
-          <a:lstStyle/>
-          <a:p>
-            <a:pPr marL="342900" indent="-342900">
-              <a:buFontTx/>
-              <a:buChar char="-"/>
-            </a:pPr>
-            <a:r>
-              <a:rPr lang="en-US" altLang="ko-KR" sz="2400" dirty="0" err="1">
-                <a:latin typeface="Sandoll 삼립호빵체 TTF Basic" panose="00000500000000000000" pitchFamily="2" charset="-127"/>
-                <a:ea typeface="Sandoll 삼립호빵체 TTF Basic" panose="00000500000000000000" pitchFamily="2" charset="-127"/>
-              </a:rPr>
-              <a:t>Isomatric</a:t>
-            </a:r>
-            <a:r>
-              <a:rPr lang="en-US" altLang="ko-KR" sz="2400" dirty="0">
-                <a:latin typeface="Sandoll 삼립호빵체 TTF Basic" panose="00000500000000000000" pitchFamily="2" charset="-127"/>
-                <a:ea typeface="Sandoll 삼립호빵체 TTF Basic" panose="00000500000000000000" pitchFamily="2" charset="-127"/>
-              </a:rPr>
-              <a:t> </a:t>
-            </a:r>
-            <a:r>
-              <a:rPr lang="ko-KR" altLang="en-US" sz="2400" dirty="0">
-                <a:latin typeface="Sandoll 삼립호빵체 TTF Basic" panose="00000500000000000000" pitchFamily="2" charset="-127"/>
-                <a:ea typeface="Sandoll 삼립호빵체 TTF Basic" panose="00000500000000000000" pitchFamily="2" charset="-127"/>
-              </a:rPr>
-              <a:t>착시를 이용한 퍼즐게임</a:t>
-            </a:r>
-            <a:endParaRPr lang="en-US" altLang="ko-KR" sz="2400" dirty="0">
-              <a:latin typeface="Sandoll 삼립호빵체 TTF Basic" panose="00000500000000000000" pitchFamily="2" charset="-127"/>
-              <a:ea typeface="Sandoll 삼립호빵체 TTF Basic" panose="00000500000000000000" pitchFamily="2" charset="-127"/>
-            </a:endParaRPr>
-          </a:p>
-          <a:p>
-            <a:pPr marL="342900" indent="-342900">
-              <a:buFontTx/>
-              <a:buChar char="-"/>
-            </a:pPr>
-            <a:r>
-              <a:rPr lang="ko-KR" altLang="en-US" sz="2400" dirty="0">
-                <a:latin typeface="Sandoll 삼립호빵체 TTF Basic" panose="00000500000000000000" pitchFamily="2" charset="-127"/>
-                <a:ea typeface="Sandoll 삼립호빵체 TTF Basic" panose="00000500000000000000" pitchFamily="2" charset="-127"/>
-              </a:rPr>
-              <a:t>포인트 앤 클릭 조작</a:t>
-            </a:r>
-            <a:endParaRPr lang="en-US" altLang="ko-KR" sz="2400" dirty="0">
-              <a:latin typeface="Sandoll 삼립호빵체 TTF Basic" panose="00000500000000000000" pitchFamily="2" charset="-127"/>
-              <a:ea typeface="Sandoll 삼립호빵체 TTF Basic" panose="00000500000000000000" pitchFamily="2" charset="-127"/>
-            </a:endParaRPr>
-          </a:p>
-          <a:p>
-            <a:pPr marL="342900" indent="-342900">
-              <a:buFontTx/>
-              <a:buChar char="-"/>
-            </a:pPr>
-            <a:r>
-              <a:rPr lang="ko-KR" altLang="en-US" sz="2400" dirty="0">
-                <a:latin typeface="Sandoll 삼립호빵체 TTF Basic" panose="00000500000000000000" pitchFamily="2" charset="-127"/>
-                <a:ea typeface="Sandoll 삼립호빵체 TTF Basic" panose="00000500000000000000" pitchFamily="2" charset="-127"/>
-              </a:rPr>
-              <a:t>큐브는 자신과 </a:t>
-            </a:r>
-            <a:r>
-              <a:rPr lang="ko-KR" altLang="en-US" sz="2400" dirty="0" err="1">
-                <a:latin typeface="Sandoll 삼립호빵체 TTF Basic" panose="00000500000000000000" pitchFamily="2" charset="-127"/>
-                <a:ea typeface="Sandoll 삼립호빵체 TTF Basic" panose="00000500000000000000" pitchFamily="2" charset="-127"/>
-              </a:rPr>
-              <a:t>맞닿아있는</a:t>
-            </a:r>
-            <a:r>
-              <a:rPr lang="ko-KR" altLang="en-US" sz="2400" dirty="0">
-                <a:latin typeface="Sandoll 삼립호빵체 TTF Basic" panose="00000500000000000000" pitchFamily="2" charset="-127"/>
-                <a:ea typeface="Sandoll 삼립호빵체 TTF Basic" panose="00000500000000000000" pitchFamily="2" charset="-127"/>
-              </a:rPr>
-              <a:t> 면을 따라 어느 </a:t>
-            </a:r>
-            <a:r>
-              <a:rPr lang="ko-KR" altLang="en-US" sz="2400" dirty="0" err="1">
-                <a:latin typeface="Sandoll 삼립호빵체 TTF Basic" panose="00000500000000000000" pitchFamily="2" charset="-127"/>
-                <a:ea typeface="Sandoll 삼립호빵체 TTF Basic" panose="00000500000000000000" pitchFamily="2" charset="-127"/>
-              </a:rPr>
-              <a:t>방향으로든</a:t>
-            </a:r>
-            <a:r>
-              <a:rPr lang="ko-KR" altLang="en-US" sz="2400" dirty="0">
-                <a:latin typeface="Sandoll 삼립호빵체 TTF Basic" panose="00000500000000000000" pitchFamily="2" charset="-127"/>
-                <a:ea typeface="Sandoll 삼립호빵체 TTF Basic" panose="00000500000000000000" pitchFamily="2" charset="-127"/>
-              </a:rPr>
-              <a:t> 이동할 수 있지만</a:t>
-            </a:r>
-            <a:r>
-              <a:rPr lang="en-US" altLang="ko-KR" sz="2400" dirty="0">
-                <a:latin typeface="Sandoll 삼립호빵체 TTF Basic" panose="00000500000000000000" pitchFamily="2" charset="-127"/>
-                <a:ea typeface="Sandoll 삼립호빵체 TTF Basic" panose="00000500000000000000" pitchFamily="2" charset="-127"/>
-              </a:rPr>
-              <a:t>,</a:t>
-            </a:r>
-            <a:br>
-              <a:rPr lang="en-US" altLang="ko-KR" sz="2400" dirty="0">
-                <a:latin typeface="Sandoll 삼립호빵체 TTF Basic" panose="00000500000000000000" pitchFamily="2" charset="-127"/>
-                <a:ea typeface="Sandoll 삼립호빵체 TTF Basic" panose="00000500000000000000" pitchFamily="2" charset="-127"/>
-              </a:rPr>
-            </a:br>
-            <a:r>
-              <a:rPr lang="ko-KR" altLang="en-US" sz="2400" dirty="0" err="1">
-                <a:latin typeface="Sandoll 삼립호빵체 TTF Basic" panose="00000500000000000000" pitchFamily="2" charset="-127"/>
-                <a:ea typeface="Sandoll 삼립호빵체 TTF Basic" panose="00000500000000000000" pitchFamily="2" charset="-127"/>
-              </a:rPr>
-              <a:t>맞닿아있지</a:t>
-            </a:r>
-            <a:r>
-              <a:rPr lang="ko-KR" altLang="en-US" sz="2400" dirty="0">
-                <a:latin typeface="Sandoll 삼립호빵체 TTF Basic" panose="00000500000000000000" pitchFamily="2" charset="-127"/>
-                <a:ea typeface="Sandoll 삼립호빵체 TTF Basic" panose="00000500000000000000" pitchFamily="2" charset="-127"/>
-              </a:rPr>
-              <a:t> 않은 면으로는 이동할 수 없음</a:t>
-            </a:r>
-            <a:r>
-              <a:rPr lang="en-US" altLang="ko-KR" sz="2400" dirty="0">
-                <a:latin typeface="Sandoll 삼립호빵체 TTF Basic" panose="00000500000000000000" pitchFamily="2" charset="-127"/>
-                <a:ea typeface="Sandoll 삼립호빵체 TTF Basic" panose="00000500000000000000" pitchFamily="2" charset="-127"/>
-              </a:rPr>
-              <a:t>.</a:t>
-            </a:r>
-          </a:p>
-          <a:p>
-            <a:pPr marL="342900" indent="-342900">
-              <a:buFontTx/>
-              <a:buChar char="-"/>
-            </a:pPr>
-            <a:r>
-              <a:rPr lang="ko-KR" altLang="en-US" sz="2400" dirty="0">
-                <a:latin typeface="Sandoll 삼립호빵체 TTF Basic" panose="00000500000000000000" pitchFamily="2" charset="-127"/>
-                <a:ea typeface="Sandoll 삼립호빵체 TTF Basic" panose="00000500000000000000" pitchFamily="2" charset="-127"/>
-              </a:rPr>
-              <a:t>이 제약 안에서 골까지 </a:t>
-            </a:r>
-            <a:r>
-              <a:rPr lang="ko-KR" altLang="en-US" sz="2400" dirty="0" err="1">
-                <a:latin typeface="Sandoll 삼립호빵체 TTF Basic" panose="00000500000000000000" pitchFamily="2" charset="-127"/>
-                <a:ea typeface="Sandoll 삼립호빵체 TTF Basic" panose="00000500000000000000" pitchFamily="2" charset="-127"/>
-              </a:rPr>
-              <a:t>도달해야함</a:t>
-            </a:r>
-            <a:r>
-              <a:rPr lang="en-US" altLang="ko-KR" sz="2400" dirty="0">
-                <a:latin typeface="Sandoll 삼립호빵체 TTF Basic" panose="00000500000000000000" pitchFamily="2" charset="-127"/>
-                <a:ea typeface="Sandoll 삼립호빵체 TTF Basic" panose="00000500000000000000" pitchFamily="2" charset="-127"/>
-              </a:rPr>
-              <a:t>.</a:t>
-            </a:r>
-          </a:p>
-          <a:p>
-            <a:pPr marL="342900" indent="-342900">
-              <a:buFontTx/>
-              <a:buChar char="-"/>
-            </a:pPr>
-            <a:r>
-              <a:rPr lang="ko-KR" altLang="en-US" sz="2400" dirty="0">
-                <a:latin typeface="Sandoll 삼립호빵체 TTF Basic" panose="00000500000000000000" pitchFamily="2" charset="-127"/>
-                <a:ea typeface="Sandoll 삼립호빵체 TTF Basic" panose="00000500000000000000" pitchFamily="2" charset="-127"/>
-              </a:rPr>
-              <a:t>레벨 에디터가 있음</a:t>
-            </a:r>
-            <a:r>
-              <a:rPr lang="en-US" altLang="ko-KR" sz="2400" dirty="0">
-                <a:latin typeface="Sandoll 삼립호빵체 TTF Basic" panose="00000500000000000000" pitchFamily="2" charset="-127"/>
-                <a:ea typeface="Sandoll 삼립호빵체 TTF Basic" panose="00000500000000000000" pitchFamily="2" charset="-127"/>
-              </a:rPr>
-              <a:t>.</a:t>
-            </a:r>
-            <a:endParaRPr lang="ko-KR" altLang="en-US" sz="2400" dirty="0">
-              <a:latin typeface="Sandoll 삼립호빵체 TTF Basic" panose="00000500000000000000" pitchFamily="2" charset="-127"/>
-              <a:ea typeface="Sandoll 삼립호빵체 TTF Basic" panose="00000500000000000000" pitchFamily="2" charset="-127"/>
-            </a:endParaRPr>
-          </a:p>
-        </p:txBody>
-      </p:sp>
     </p:spTree>
     <p:extLst>
       <p:ext uri="{BB962C8B-B14F-4D97-AF65-F5344CB8AC3E}">
-        <p14:creationId xmlns:p14="http://schemas.microsoft.com/office/powerpoint/2010/main" val="2359448343"/>
+        <p14:creationId xmlns:p14="http://schemas.microsoft.com/office/powerpoint/2010/main" val="3317921258"/>
       </p:ext>
     </p:extLst>
   </p:cSld>
